--- a/DataAnalystPresentation.pptx
+++ b/DataAnalystPresentation.pptx
@@ -7,6 +7,9 @@
   <p:notesMasterIdLst>
     <p:notesMasterId r:id="rId24"/>
   </p:notesMasterIdLst>
+  <p:handoutMasterIdLst>
+    <p:handoutMasterId r:id="rId25"/>
+  </p:handoutMasterIdLst>
   <p:sldIdLst>
     <p:sldId id="256" r:id="rId5"/>
     <p:sldId id="257" r:id="rId6"/>
@@ -167,6 +170,196 @@
 </p1510:revInfo>
 </file>
 
+<file path=ppt/handoutMasters/handoutMaster1.xml><?xml version="1.0" encoding="utf-8"?>
+<p:handoutMaster xmlns:a="http://schemas.openxmlformats.org/drawingml/2006/main" xmlns:r="http://schemas.openxmlformats.org/officeDocument/2006/relationships" xmlns:p="http://schemas.openxmlformats.org/presentationml/2006/main">
+  <p:cSld>
+    <p:bg>
+      <p:bgRef idx="1001">
+        <a:schemeClr val="bg1"/>
+      </p:bgRef>
+    </p:bg>
+    <p:spTree>
+      <p:nvGrpSpPr>
+        <p:cNvPr id="1" name=""/>
+        <p:cNvGrpSpPr/>
+        <p:nvPr/>
+      </p:nvGrpSpPr>
+      <p:grpSpPr>
+        <a:xfrm>
+          <a:off x="0" y="0"/>
+          <a:ext cx="0" cy="0"/>
+          <a:chOff x="0" y="0"/>
+          <a:chExt cx="0" cy="0"/>
+        </a:xfrm>
+      </p:grpSpPr>
+      <p:sp>
+        <p:nvSpPr>
+          <p:cNvPr id="2" name="Header Placeholder 1">
+            <a:extLst>
+              <a:ext uri="{FF2B5EF4-FFF2-40B4-BE49-F238E27FC236}">
+                <a16:creationId xmlns:a16="http://schemas.microsoft.com/office/drawing/2014/main" id="{1A831E47-4C4C-E904-8A78-51CE26C2175F}"/>
+              </a:ext>
+            </a:extLst>
+          </p:cNvPr>
+          <p:cNvSpPr>
+            <a:spLocks noGrp="1"/>
+          </p:cNvSpPr>
+          <p:nvPr>
+            <p:ph type="hdr" sz="quarter"/>
+          </p:nvPr>
+        </p:nvSpPr>
+        <p:spPr>
+          <a:xfrm>
+            <a:off x="0" y="0"/>
+            <a:ext cx="2971800" cy="93663"/>
+          </a:xfrm>
+          <a:prstGeom prst="rect">
+            <a:avLst/>
+          </a:prstGeom>
+        </p:spPr>
+        <p:txBody>
+          <a:bodyPr vert="horz" lIns="91440" tIns="45720" rIns="91440" bIns="45720" rtlCol="0"/>
+          <a:lstStyle>
+            <a:lvl1pPr algn="l">
+              <a:defRPr sz="1200"/>
+            </a:lvl1pPr>
+          </a:lstStyle>
+          <a:p>
+            <a:endParaRPr lang="en-CA"/>
+          </a:p>
+        </p:txBody>
+      </p:sp>
+      <p:sp>
+        <p:nvSpPr>
+          <p:cNvPr id="3" name="Date Placeholder 2">
+            <a:extLst>
+              <a:ext uri="{FF2B5EF4-FFF2-40B4-BE49-F238E27FC236}">
+                <a16:creationId xmlns:a16="http://schemas.microsoft.com/office/drawing/2014/main" id="{FCE53751-E711-D80A-BA52-ADF9ED9B835B}"/>
+              </a:ext>
+            </a:extLst>
+          </p:cNvPr>
+          <p:cNvSpPr>
+            <a:spLocks noGrp="1"/>
+          </p:cNvSpPr>
+          <p:nvPr>
+            <p:ph type="dt" sz="quarter" idx="1"/>
+          </p:nvPr>
+        </p:nvSpPr>
+        <p:spPr>
+          <a:xfrm>
+            <a:off x="3884613" y="0"/>
+            <a:ext cx="2971800" cy="93663"/>
+          </a:xfrm>
+          <a:prstGeom prst="rect">
+            <a:avLst/>
+          </a:prstGeom>
+        </p:spPr>
+        <p:txBody>
+          <a:bodyPr vert="horz" lIns="91440" tIns="45720" rIns="91440" bIns="45720" rtlCol="0"/>
+          <a:lstStyle>
+            <a:lvl1pPr algn="r">
+              <a:defRPr sz="1200"/>
+            </a:lvl1pPr>
+          </a:lstStyle>
+          <a:p>
+            <a:fld id="{555FFFAF-BE25-43D9-8D2D-AAB526382342}" type="datetimeFigureOut">
+              <a:rPr lang="en-CA" smtClean="0"/>
+              <a:t>8/15/24</a:t>
+            </a:fld>
+            <a:endParaRPr lang="en-CA"/>
+          </a:p>
+        </p:txBody>
+      </p:sp>
+      <p:sp>
+        <p:nvSpPr>
+          <p:cNvPr id="4" name="Footer Placeholder 3">
+            <a:extLst>
+              <a:ext uri="{FF2B5EF4-FFF2-40B4-BE49-F238E27FC236}">
+                <a16:creationId xmlns:a16="http://schemas.microsoft.com/office/drawing/2014/main" id="{2C857797-89F0-533A-67F7-554972EC5021}"/>
+              </a:ext>
+            </a:extLst>
+          </p:cNvPr>
+          <p:cNvSpPr>
+            <a:spLocks noGrp="1"/>
+          </p:cNvSpPr>
+          <p:nvPr>
+            <p:ph type="ftr" sz="quarter" idx="2"/>
+          </p:nvPr>
+        </p:nvSpPr>
+        <p:spPr>
+          <a:xfrm>
+            <a:off x="0" y="1763713"/>
+            <a:ext cx="2971800" cy="93662"/>
+          </a:xfrm>
+          <a:prstGeom prst="rect">
+            <a:avLst/>
+          </a:prstGeom>
+        </p:spPr>
+        <p:txBody>
+          <a:bodyPr vert="horz" lIns="91440" tIns="45720" rIns="91440" bIns="45720" rtlCol="0" anchor="b"/>
+          <a:lstStyle>
+            <a:lvl1pPr algn="l">
+              <a:defRPr sz="1200"/>
+            </a:lvl1pPr>
+          </a:lstStyle>
+          <a:p>
+            <a:endParaRPr lang="en-CA"/>
+          </a:p>
+        </p:txBody>
+      </p:sp>
+      <p:sp>
+        <p:nvSpPr>
+          <p:cNvPr id="5" name="Slide Number Placeholder 4">
+            <a:extLst>
+              <a:ext uri="{FF2B5EF4-FFF2-40B4-BE49-F238E27FC236}">
+                <a16:creationId xmlns:a16="http://schemas.microsoft.com/office/drawing/2014/main" id="{1D663C88-41F3-F09C-774C-231475962682}"/>
+              </a:ext>
+            </a:extLst>
+          </p:cNvPr>
+          <p:cNvSpPr>
+            <a:spLocks noGrp="1"/>
+          </p:cNvSpPr>
+          <p:nvPr>
+            <p:ph type="sldNum" sz="quarter" idx="3"/>
+          </p:nvPr>
+        </p:nvSpPr>
+        <p:spPr>
+          <a:xfrm>
+            <a:off x="3884613" y="1763713"/>
+            <a:ext cx="2971800" cy="93662"/>
+          </a:xfrm>
+          <a:prstGeom prst="rect">
+            <a:avLst/>
+          </a:prstGeom>
+        </p:spPr>
+        <p:txBody>
+          <a:bodyPr vert="horz" lIns="91440" tIns="45720" rIns="91440" bIns="45720" rtlCol="0" anchor="b"/>
+          <a:lstStyle>
+            <a:lvl1pPr algn="r">
+              <a:defRPr sz="1200"/>
+            </a:lvl1pPr>
+          </a:lstStyle>
+          <a:p>
+            <a:fld id="{0E6E766C-C59F-4EDB-B769-F6C4D3A7AE31}" type="slidenum">
+              <a:rPr lang="en-CA" smtClean="0"/>
+              <a:t>‹#›</a:t>
+            </a:fld>
+            <a:endParaRPr lang="en-CA"/>
+          </a:p>
+        </p:txBody>
+      </p:sp>
+    </p:spTree>
+    <p:extLst>
+      <p:ext uri="{BB962C8B-B14F-4D97-AF65-F5344CB8AC3E}">
+        <p14:creationId xmlns:p14="http://schemas.microsoft.com/office/powerpoint/2010/main" val="80895489"/>
+      </p:ext>
+    </p:extLst>
+  </p:cSld>
+  <p:clrMap bg1="lt1" tx1="dk1" bg2="lt2" tx2="dk2" accent1="accent1" accent2="accent2" accent3="accent3" accent4="accent4" accent5="accent5" accent6="accent6" hlink="hlink" folHlink="folHlink"/>
+  <p:hf sldNum="0" hdr="0" ftr="0" dt="0"/>
+</p:handoutMaster>
+</file>
+
 <file path=ppt/ink/ink1.xml><?xml version="1.0" encoding="utf-8"?>
 <inkml:ink xmlns:inkml="http://www.w3.org/2003/InkML">
   <inkml:definitions>
@@ -210,18 +403,18 @@
           <inkml:channelProperty channel="Y" name="resolution" value="1000" units="1/cm"/>
         </inkml:channelProperties>
       </inkml:inkSource>
-      <inkml:timestamp xml:id="ts0" timeString="2020-10-28T23:00:30.591"/>
+      <inkml:timestamp xml:id="ts0" timeString="2020-10-28T23:03:11.426"/>
     </inkml:context>
     <inkml:brush xml:id="br0">
-      <inkml:brushProperty name="width" value="0.3" units="cm"/>
-      <inkml:brushProperty name="height" value="0.6" units="cm"/>
+      <inkml:brushProperty name="width" value="0.5" units="cm"/>
+      <inkml:brushProperty name="height" value="1" units="cm"/>
       <inkml:brushProperty name="color" value="#FFFFFF"/>
       <inkml:brushProperty name="tip" value="rectangle"/>
       <inkml:brushProperty name="rasterOp" value="maskPen"/>
       <inkml:brushProperty name="ignorePressure" value="1"/>
     </inkml:brush>
   </inkml:definitions>
-  <inkml:trace contextRef="#ctx0" brushRef="#br0">0 0,'0'0</inkml:trace>
+  <inkml:trace contextRef="#ctx0" brushRef="#br0">0 1,'0'0</inkml:trace>
 </inkml:ink>
 </file>
 
@@ -239,18 +432,18 @@
           <inkml:channelProperty channel="Y" name="resolution" value="1000" units="1/cm"/>
         </inkml:channelProperties>
       </inkml:inkSource>
-      <inkml:timestamp xml:id="ts0" timeString="2020-10-28T23:00:30.928"/>
+      <inkml:timestamp xml:id="ts0" timeString="2020-10-28T23:03:33.458"/>
     </inkml:context>
     <inkml:brush xml:id="br0">
-      <inkml:brushProperty name="width" value="0.3" units="cm"/>
-      <inkml:brushProperty name="height" value="0.6" units="cm"/>
+      <inkml:brushProperty name="width" value="0.5" units="cm"/>
+      <inkml:brushProperty name="height" value="1" units="cm"/>
       <inkml:brushProperty name="color" value="#FFFFFF"/>
       <inkml:brushProperty name="tip" value="rectangle"/>
       <inkml:brushProperty name="rasterOp" value="maskPen"/>
       <inkml:brushProperty name="ignorePressure" value="1"/>
     </inkml:brush>
   </inkml:definitions>
-  <inkml:trace contextRef="#ctx0" brushRef="#br0">0 1,'0'0</inkml:trace>
+  <inkml:trace contextRef="#ctx0" brushRef="#br0">1 0,'0'0</inkml:trace>
 </inkml:ink>
 </file>
 
@@ -268,18 +461,18 @@
           <inkml:channelProperty channel="Y" name="resolution" value="1000" units="1/cm"/>
         </inkml:channelProperties>
       </inkml:inkSource>
-      <inkml:timestamp xml:id="ts0" timeString="2020-10-28T23:00:31.555"/>
+      <inkml:timestamp xml:id="ts0" timeString="2020-10-28T23:03:56.858"/>
     </inkml:context>
     <inkml:brush xml:id="br0">
-      <inkml:brushProperty name="width" value="0.3" units="cm"/>
-      <inkml:brushProperty name="height" value="0.6" units="cm"/>
+      <inkml:brushProperty name="width" value="0.5" units="cm"/>
+      <inkml:brushProperty name="height" value="1" units="cm"/>
       <inkml:brushProperty name="color" value="#FFFFFF"/>
       <inkml:brushProperty name="tip" value="rectangle"/>
       <inkml:brushProperty name="rasterOp" value="maskPen"/>
       <inkml:brushProperty name="ignorePressure" value="1"/>
     </inkml:brush>
   </inkml:definitions>
-  <inkml:trace contextRef="#ctx0" brushRef="#br0">0 1,'0'0</inkml:trace>
+  <inkml:trace contextRef="#ctx0" brushRef="#br0">74 0,'0'6,"0"7,-6 2,-7-2,-14-3,-1-3</inkml:trace>
 </inkml:ink>
 </file>
 
@@ -297,18 +490,18 @@
           <inkml:channelProperty channel="Y" name="resolution" value="1000" units="1/cm"/>
         </inkml:channelProperties>
       </inkml:inkSource>
-      <inkml:timestamp xml:id="ts0" timeString="2020-10-28T23:00:31.881"/>
+      <inkml:timestamp xml:id="ts0" timeString="2020-10-28T23:04:38.528"/>
     </inkml:context>
     <inkml:brush xml:id="br0">
-      <inkml:brushProperty name="width" value="0.3" units="cm"/>
-      <inkml:brushProperty name="height" value="0.6" units="cm"/>
+      <inkml:brushProperty name="width" value="0.5" units="cm"/>
+      <inkml:brushProperty name="height" value="1" units="cm"/>
       <inkml:brushProperty name="color" value="#FFFFFF"/>
       <inkml:brushProperty name="tip" value="rectangle"/>
       <inkml:brushProperty name="rasterOp" value="maskPen"/>
       <inkml:brushProperty name="ignorePressure" value="1"/>
     </inkml:brush>
   </inkml:definitions>
-  <inkml:trace contextRef="#ctx0" brushRef="#br0">0 1,'0'0</inkml:trace>
+  <inkml:trace contextRef="#ctx0" brushRef="#br0">1 0,'5'0,"3"0</inkml:trace>
 </inkml:ink>
 </file>
 
@@ -326,18 +519,15 @@
           <inkml:channelProperty channel="Y" name="resolution" value="1000" units="1/cm"/>
         </inkml:channelProperties>
       </inkml:inkSource>
-      <inkml:timestamp xml:id="ts0" timeString="2020-10-28T23:00:57.240"/>
+      <inkml:timestamp xml:id="ts0" timeString="2020-10-28T23:37:51.257"/>
     </inkml:context>
     <inkml:brush xml:id="br0">
-      <inkml:brushProperty name="width" value="0.5" units="cm"/>
-      <inkml:brushProperty name="height" value="1" units="cm"/>
-      <inkml:brushProperty name="color" value="#FFFFFF"/>
-      <inkml:brushProperty name="tip" value="rectangle"/>
-      <inkml:brushProperty name="rasterOp" value="maskPen"/>
+      <inkml:brushProperty name="width" value="0.05" units="cm"/>
+      <inkml:brushProperty name="height" value="0.05" units="cm"/>
       <inkml:brushProperty name="ignorePressure" value="1"/>
     </inkml:brush>
   </inkml:definitions>
-  <inkml:trace contextRef="#ctx0" brushRef="#br0">0 14,'0'-6,"0"-2</inkml:trace>
+  <inkml:trace contextRef="#ctx0" brushRef="#br0">0 0,'0'0</inkml:trace>
 </inkml:ink>
 </file>
 
@@ -355,7 +545,7 @@
           <inkml:channelProperty channel="Y" name="resolution" value="1000" units="1/cm"/>
         </inkml:channelProperties>
       </inkml:inkSource>
-      <inkml:timestamp xml:id="ts0" timeString="2020-10-28T23:02:33.153"/>
+      <inkml:timestamp xml:id="ts0" timeString="2020-10-28T23:02:53.893"/>
     </inkml:context>
     <inkml:brush xml:id="br0">
       <inkml:brushProperty name="width" value="0.5" units="cm"/>
@@ -366,123 +556,7 @@
       <inkml:brushProperty name="ignorePressure" value="1"/>
     </inkml:brush>
   </inkml:definitions>
-  <inkml:trace contextRef="#ctx0" brushRef="#br0">1 0,'0'0</inkml:trace>
-</inkml:ink>
-</file>
-
-<file path=ppt/ink/ink16.xml><?xml version="1.0" encoding="utf-8"?>
-<inkml:ink xmlns:inkml="http://www.w3.org/2003/InkML">
-  <inkml:definitions>
-    <inkml:context xml:id="ctx0">
-      <inkml:inkSource xml:id="inkSrc0">
-        <inkml:traceFormat>
-          <inkml:channel name="X" type="integer" min="-2.14748E9" max="2.14748E9" units="cm"/>
-          <inkml:channel name="Y" type="integer" min="-2.14748E9" max="2.14748E9" units="cm"/>
-        </inkml:traceFormat>
-        <inkml:channelProperties>
-          <inkml:channelProperty channel="X" name="resolution" value="1000" units="1/cm"/>
-          <inkml:channelProperty channel="Y" name="resolution" value="1000" units="1/cm"/>
-        </inkml:channelProperties>
-      </inkml:inkSource>
-      <inkml:timestamp xml:id="ts0" timeString="2020-10-28T23:02:34.042"/>
-    </inkml:context>
-    <inkml:brush xml:id="br0">
-      <inkml:brushProperty name="width" value="0.5" units="cm"/>
-      <inkml:brushProperty name="height" value="1" units="cm"/>
-      <inkml:brushProperty name="color" value="#FFFFFF"/>
-      <inkml:brushProperty name="tip" value="rectangle"/>
-      <inkml:brushProperty name="rasterOp" value="maskPen"/>
-      <inkml:brushProperty name="ignorePressure" value="1"/>
-    </inkml:brush>
-  </inkml:definitions>
-  <inkml:trace contextRef="#ctx0" brushRef="#br0">1 0,'0'0</inkml:trace>
-</inkml:ink>
-</file>
-
-<file path=ppt/ink/ink17.xml><?xml version="1.0" encoding="utf-8"?>
-<inkml:ink xmlns:inkml="http://www.w3.org/2003/InkML">
-  <inkml:definitions>
-    <inkml:context xml:id="ctx0">
-      <inkml:inkSource xml:id="inkSrc0">
-        <inkml:traceFormat>
-          <inkml:channel name="X" type="integer" min="-2.14748E9" max="2.14748E9" units="cm"/>
-          <inkml:channel name="Y" type="integer" min="-2.14748E9" max="2.14748E9" units="cm"/>
-        </inkml:traceFormat>
-        <inkml:channelProperties>
-          <inkml:channelProperty channel="X" name="resolution" value="1000" units="1/cm"/>
-          <inkml:channelProperty channel="Y" name="resolution" value="1000" units="1/cm"/>
-        </inkml:channelProperties>
-      </inkml:inkSource>
-      <inkml:timestamp xml:id="ts0" timeString="2020-10-28T23:02:34.713"/>
-    </inkml:context>
-    <inkml:brush xml:id="br0">
-      <inkml:brushProperty name="width" value="0.5" units="cm"/>
-      <inkml:brushProperty name="height" value="1" units="cm"/>
-      <inkml:brushProperty name="color" value="#FFFFFF"/>
-      <inkml:brushProperty name="tip" value="rectangle"/>
-      <inkml:brushProperty name="rasterOp" value="maskPen"/>
-      <inkml:brushProperty name="ignorePressure" value="1"/>
-    </inkml:brush>
-  </inkml:definitions>
-  <inkml:trace contextRef="#ctx0" brushRef="#br0">14 0,'-6'0,"-1"0</inkml:trace>
-</inkml:ink>
-</file>
-
-<file path=ppt/ink/ink18.xml><?xml version="1.0" encoding="utf-8"?>
-<inkml:ink xmlns:inkml="http://www.w3.org/2003/InkML">
-  <inkml:definitions>
-    <inkml:context xml:id="ctx0">
-      <inkml:inkSource xml:id="inkSrc0">
-        <inkml:traceFormat>
-          <inkml:channel name="X" type="integer" min="-2.14748E9" max="2.14748E9" units="cm"/>
-          <inkml:channel name="Y" type="integer" min="-2.14748E9" max="2.14748E9" units="cm"/>
-        </inkml:traceFormat>
-        <inkml:channelProperties>
-          <inkml:channelProperty channel="X" name="resolution" value="1000" units="1/cm"/>
-          <inkml:channelProperty channel="Y" name="resolution" value="1000" units="1/cm"/>
-        </inkml:channelProperties>
-      </inkml:inkSource>
-      <inkml:timestamp xml:id="ts0" timeString="2020-10-28T23:02:36.608"/>
-    </inkml:context>
-    <inkml:brush xml:id="br0">
-      <inkml:brushProperty name="width" value="0.5" units="cm"/>
-      <inkml:brushProperty name="height" value="1" units="cm"/>
-      <inkml:brushProperty name="color" value="#FFFFFF"/>
-      <inkml:brushProperty name="tip" value="rectangle"/>
-      <inkml:brushProperty name="rasterOp" value="maskPen"/>
-      <inkml:brushProperty name="ignorePressure" value="1"/>
-    </inkml:brush>
-  </inkml:definitions>
-  <inkml:trace contextRef="#ctx0" brushRef="#br0">1 0,'0'0</inkml:trace>
-</inkml:ink>
-</file>
-
-<file path=ppt/ink/ink19.xml><?xml version="1.0" encoding="utf-8"?>
-<inkml:ink xmlns:inkml="http://www.w3.org/2003/InkML">
-  <inkml:definitions>
-    <inkml:context xml:id="ctx0">
-      <inkml:inkSource xml:id="inkSrc0">
-        <inkml:traceFormat>
-          <inkml:channel name="X" type="integer" min="-2.14748E9" max="2.14748E9" units="cm"/>
-          <inkml:channel name="Y" type="integer" min="-2.14748E9" max="2.14748E9" units="cm"/>
-        </inkml:traceFormat>
-        <inkml:channelProperties>
-          <inkml:channelProperty channel="X" name="resolution" value="1000" units="1/cm"/>
-          <inkml:channelProperty channel="Y" name="resolution" value="1000" units="1/cm"/>
-        </inkml:channelProperties>
-      </inkml:inkSource>
-      <inkml:timestamp xml:id="ts0" timeString="2020-10-28T23:02:37.363"/>
-    </inkml:context>
-    <inkml:brush xml:id="br0">
-      <inkml:brushProperty name="width" value="0.5" units="cm"/>
-      <inkml:brushProperty name="height" value="1" units="cm"/>
-      <inkml:brushProperty name="color" value="#FFFFFF"/>
-      <inkml:brushProperty name="tip" value="rectangle"/>
-      <inkml:brushProperty name="rasterOp" value="maskPen"/>
-      <inkml:brushProperty name="ignorePressure" value="1"/>
-    </inkml:brush>
-  </inkml:definitions>
-  <inkml:trace contextRef="#ctx0" brushRef="#br0">1 1,'0'0</inkml:trace>
+  <inkml:trace contextRef="#ctx0" brushRef="#br0">0 0,'11'0,"10"0,1 0</inkml:trace>
 </inkml:ink>
 </file>
 
@@ -515,296 +589,6 @@
 </inkml:ink>
 </file>
 
-<file path=ppt/ink/ink20.xml><?xml version="1.0" encoding="utf-8"?>
-<inkml:ink xmlns:inkml="http://www.w3.org/2003/InkML">
-  <inkml:definitions>
-    <inkml:context xml:id="ctx0">
-      <inkml:inkSource xml:id="inkSrc0">
-        <inkml:traceFormat>
-          <inkml:channel name="X" type="integer" min="-2.14748E9" max="2.14748E9" units="cm"/>
-          <inkml:channel name="Y" type="integer" min="-2.14748E9" max="2.14748E9" units="cm"/>
-        </inkml:traceFormat>
-        <inkml:channelProperties>
-          <inkml:channelProperty channel="X" name="resolution" value="1000" units="1/cm"/>
-          <inkml:channelProperty channel="Y" name="resolution" value="1000" units="1/cm"/>
-        </inkml:channelProperties>
-      </inkml:inkSource>
-      <inkml:timestamp xml:id="ts0" timeString="2020-10-28T23:02:38.903"/>
-    </inkml:context>
-    <inkml:brush xml:id="br0">
-      <inkml:brushProperty name="width" value="0.5" units="cm"/>
-      <inkml:brushProperty name="height" value="1" units="cm"/>
-      <inkml:brushProperty name="color" value="#FFFFFF"/>
-      <inkml:brushProperty name="tip" value="rectangle"/>
-      <inkml:brushProperty name="rasterOp" value="maskPen"/>
-      <inkml:brushProperty name="ignorePressure" value="1"/>
-    </inkml:brush>
-  </inkml:definitions>
-  <inkml:trace contextRef="#ctx0" brushRef="#br0">0 0,'0'0</inkml:trace>
-</inkml:ink>
-</file>
-
-<file path=ppt/ink/ink21.xml><?xml version="1.0" encoding="utf-8"?>
-<inkml:ink xmlns:inkml="http://www.w3.org/2003/InkML">
-  <inkml:definitions>
-    <inkml:context xml:id="ctx0">
-      <inkml:inkSource xml:id="inkSrc0">
-        <inkml:traceFormat>
-          <inkml:channel name="X" type="integer" min="-2.14748E9" max="2.14748E9" units="cm"/>
-          <inkml:channel name="Y" type="integer" min="-2.14748E9" max="2.14748E9" units="cm"/>
-        </inkml:traceFormat>
-        <inkml:channelProperties>
-          <inkml:channelProperty channel="X" name="resolution" value="1000" units="1/cm"/>
-          <inkml:channelProperty channel="Y" name="resolution" value="1000" units="1/cm"/>
-        </inkml:channelProperties>
-      </inkml:inkSource>
-      <inkml:timestamp xml:id="ts0" timeString="2020-10-28T23:02:39.434"/>
-    </inkml:context>
-    <inkml:brush xml:id="br0">
-      <inkml:brushProperty name="width" value="0.5" units="cm"/>
-      <inkml:brushProperty name="height" value="1" units="cm"/>
-      <inkml:brushProperty name="color" value="#FFFFFF"/>
-      <inkml:brushProperty name="tip" value="rectangle"/>
-      <inkml:brushProperty name="rasterOp" value="maskPen"/>
-      <inkml:brushProperty name="ignorePressure" value="1"/>
-    </inkml:brush>
-  </inkml:definitions>
-  <inkml:trace contextRef="#ctx0" brushRef="#br0">0 1,'0'0</inkml:trace>
-</inkml:ink>
-</file>
-
-<file path=ppt/ink/ink22.xml><?xml version="1.0" encoding="utf-8"?>
-<inkml:ink xmlns:inkml="http://www.w3.org/2003/InkML">
-  <inkml:definitions>
-    <inkml:context xml:id="ctx0">
-      <inkml:inkSource xml:id="inkSrc0">
-        <inkml:traceFormat>
-          <inkml:channel name="X" type="integer" min="-2.14748E9" max="2.14748E9" units="cm"/>
-          <inkml:channel name="Y" type="integer" min="-2.14748E9" max="2.14748E9" units="cm"/>
-        </inkml:traceFormat>
-        <inkml:channelProperties>
-          <inkml:channelProperty channel="X" name="resolution" value="1000" units="1/cm"/>
-          <inkml:channelProperty channel="Y" name="resolution" value="1000" units="1/cm"/>
-        </inkml:channelProperties>
-      </inkml:inkSource>
-      <inkml:timestamp xml:id="ts0" timeString="2020-10-28T23:02:40.498"/>
-    </inkml:context>
-    <inkml:brush xml:id="br0">
-      <inkml:brushProperty name="width" value="0.5" units="cm"/>
-      <inkml:brushProperty name="height" value="1" units="cm"/>
-      <inkml:brushProperty name="color" value="#FFFFFF"/>
-      <inkml:brushProperty name="tip" value="rectangle"/>
-      <inkml:brushProperty name="rasterOp" value="maskPen"/>
-      <inkml:brushProperty name="ignorePressure" value="1"/>
-    </inkml:brush>
-  </inkml:definitions>
-  <inkml:trace contextRef="#ctx0" brushRef="#br0">0 0,'0'0</inkml:trace>
-</inkml:ink>
-</file>
-
-<file path=ppt/ink/ink23.xml><?xml version="1.0" encoding="utf-8"?>
-<inkml:ink xmlns:inkml="http://www.w3.org/2003/InkML">
-  <inkml:definitions>
-    <inkml:context xml:id="ctx0">
-      <inkml:inkSource xml:id="inkSrc0">
-        <inkml:traceFormat>
-          <inkml:channel name="X" type="integer" min="-2.14748E9" max="2.14748E9" units="cm"/>
-          <inkml:channel name="Y" type="integer" min="-2.14748E9" max="2.14748E9" units="cm"/>
-        </inkml:traceFormat>
-        <inkml:channelProperties>
-          <inkml:channelProperty channel="X" name="resolution" value="1000" units="1/cm"/>
-          <inkml:channelProperty channel="Y" name="resolution" value="1000" units="1/cm"/>
-        </inkml:channelProperties>
-      </inkml:inkSource>
-      <inkml:timestamp xml:id="ts0" timeString="2020-10-28T23:03:11.426"/>
-    </inkml:context>
-    <inkml:brush xml:id="br0">
-      <inkml:brushProperty name="width" value="0.5" units="cm"/>
-      <inkml:brushProperty name="height" value="1" units="cm"/>
-      <inkml:brushProperty name="color" value="#FFFFFF"/>
-      <inkml:brushProperty name="tip" value="rectangle"/>
-      <inkml:brushProperty name="rasterOp" value="maskPen"/>
-      <inkml:brushProperty name="ignorePressure" value="1"/>
-    </inkml:brush>
-  </inkml:definitions>
-  <inkml:trace contextRef="#ctx0" brushRef="#br0">0 1,'0'0</inkml:trace>
-</inkml:ink>
-</file>
-
-<file path=ppt/ink/ink24.xml><?xml version="1.0" encoding="utf-8"?>
-<inkml:ink xmlns:inkml="http://www.w3.org/2003/InkML">
-  <inkml:definitions>
-    <inkml:context xml:id="ctx0">
-      <inkml:inkSource xml:id="inkSrc0">
-        <inkml:traceFormat>
-          <inkml:channel name="X" type="integer" min="-2.14748E9" max="2.14748E9" units="cm"/>
-          <inkml:channel name="Y" type="integer" min="-2.14748E9" max="2.14748E9" units="cm"/>
-        </inkml:traceFormat>
-        <inkml:channelProperties>
-          <inkml:channelProperty channel="X" name="resolution" value="1000" units="1/cm"/>
-          <inkml:channelProperty channel="Y" name="resolution" value="1000" units="1/cm"/>
-        </inkml:channelProperties>
-      </inkml:inkSource>
-      <inkml:timestamp xml:id="ts0" timeString="2020-10-28T23:03:33.458"/>
-    </inkml:context>
-    <inkml:brush xml:id="br0">
-      <inkml:brushProperty name="width" value="0.5" units="cm"/>
-      <inkml:brushProperty name="height" value="1" units="cm"/>
-      <inkml:brushProperty name="color" value="#FFFFFF"/>
-      <inkml:brushProperty name="tip" value="rectangle"/>
-      <inkml:brushProperty name="rasterOp" value="maskPen"/>
-      <inkml:brushProperty name="ignorePressure" value="1"/>
-    </inkml:brush>
-  </inkml:definitions>
-  <inkml:trace contextRef="#ctx0" brushRef="#br0">1 0,'0'0</inkml:trace>
-</inkml:ink>
-</file>
-
-<file path=ppt/ink/ink25.xml><?xml version="1.0" encoding="utf-8"?>
-<inkml:ink xmlns:inkml="http://www.w3.org/2003/InkML">
-  <inkml:definitions>
-    <inkml:context xml:id="ctx0">
-      <inkml:inkSource xml:id="inkSrc0">
-        <inkml:traceFormat>
-          <inkml:channel name="X" type="integer" min="-2.14748E9" max="2.14748E9" units="cm"/>
-          <inkml:channel name="Y" type="integer" min="-2.14748E9" max="2.14748E9" units="cm"/>
-        </inkml:traceFormat>
-        <inkml:channelProperties>
-          <inkml:channelProperty channel="X" name="resolution" value="1000" units="1/cm"/>
-          <inkml:channelProperty channel="Y" name="resolution" value="1000" units="1/cm"/>
-        </inkml:channelProperties>
-      </inkml:inkSource>
-      <inkml:timestamp xml:id="ts0" timeString="2020-10-28T23:03:36.957"/>
-    </inkml:context>
-    <inkml:brush xml:id="br0">
-      <inkml:brushProperty name="width" value="0.5" units="cm"/>
-      <inkml:brushProperty name="height" value="1" units="cm"/>
-      <inkml:brushProperty name="color" value="#FFFFFF"/>
-      <inkml:brushProperty name="tip" value="rectangle"/>
-      <inkml:brushProperty name="rasterOp" value="maskPen"/>
-      <inkml:brushProperty name="ignorePressure" value="1"/>
-    </inkml:brush>
-  </inkml:definitions>
-  <inkml:trace contextRef="#ctx0" brushRef="#br0">0 0,'0'0</inkml:trace>
-</inkml:ink>
-</file>
-
-<file path=ppt/ink/ink26.xml><?xml version="1.0" encoding="utf-8"?>
-<inkml:ink xmlns:inkml="http://www.w3.org/2003/InkML">
-  <inkml:definitions>
-    <inkml:context xml:id="ctx0">
-      <inkml:inkSource xml:id="inkSrc0">
-        <inkml:traceFormat>
-          <inkml:channel name="X" type="integer" min="-2.14748E9" max="2.14748E9" units="cm"/>
-          <inkml:channel name="Y" type="integer" min="-2.14748E9" max="2.14748E9" units="cm"/>
-        </inkml:traceFormat>
-        <inkml:channelProperties>
-          <inkml:channelProperty channel="X" name="resolution" value="1000" units="1/cm"/>
-          <inkml:channelProperty channel="Y" name="resolution" value="1000" units="1/cm"/>
-        </inkml:channelProperties>
-      </inkml:inkSource>
-      <inkml:timestamp xml:id="ts0" timeString="2020-10-28T23:03:37.444"/>
-    </inkml:context>
-    <inkml:brush xml:id="br0">
-      <inkml:brushProperty name="width" value="0.5" units="cm"/>
-      <inkml:brushProperty name="height" value="1" units="cm"/>
-      <inkml:brushProperty name="color" value="#FFFFFF"/>
-      <inkml:brushProperty name="tip" value="rectangle"/>
-      <inkml:brushProperty name="rasterOp" value="maskPen"/>
-      <inkml:brushProperty name="ignorePressure" value="1"/>
-    </inkml:brush>
-  </inkml:definitions>
-  <inkml:trace contextRef="#ctx0" brushRef="#br0">1 0,'5'0,"3"0</inkml:trace>
-</inkml:ink>
-</file>
-
-<file path=ppt/ink/ink27.xml><?xml version="1.0" encoding="utf-8"?>
-<inkml:ink xmlns:inkml="http://www.w3.org/2003/InkML">
-  <inkml:definitions>
-    <inkml:context xml:id="ctx0">
-      <inkml:inkSource xml:id="inkSrc0">
-        <inkml:traceFormat>
-          <inkml:channel name="X" type="integer" min="-2.14748E9" max="2.14748E9" units="cm"/>
-          <inkml:channel name="Y" type="integer" min="-2.14748E9" max="2.14748E9" units="cm"/>
-        </inkml:traceFormat>
-        <inkml:channelProperties>
-          <inkml:channelProperty channel="X" name="resolution" value="1000" units="1/cm"/>
-          <inkml:channelProperty channel="Y" name="resolution" value="1000" units="1/cm"/>
-        </inkml:channelProperties>
-      </inkml:inkSource>
-      <inkml:timestamp xml:id="ts0" timeString="2020-10-28T23:03:38.508"/>
-    </inkml:context>
-    <inkml:brush xml:id="br0">
-      <inkml:brushProperty name="width" value="0.5" units="cm"/>
-      <inkml:brushProperty name="height" value="1" units="cm"/>
-      <inkml:brushProperty name="color" value="#FFFFFF"/>
-      <inkml:brushProperty name="tip" value="rectangle"/>
-      <inkml:brushProperty name="rasterOp" value="maskPen"/>
-      <inkml:brushProperty name="ignorePressure" value="1"/>
-    </inkml:brush>
-  </inkml:definitions>
-  <inkml:trace contextRef="#ctx0" brushRef="#br0">0 1,'0'0</inkml:trace>
-</inkml:ink>
-</file>
-
-<file path=ppt/ink/ink28.xml><?xml version="1.0" encoding="utf-8"?>
-<inkml:ink xmlns:inkml="http://www.w3.org/2003/InkML">
-  <inkml:definitions>
-    <inkml:context xml:id="ctx0">
-      <inkml:inkSource xml:id="inkSrc0">
-        <inkml:traceFormat>
-          <inkml:channel name="X" type="integer" min="-2.14748E9" max="2.14748E9" units="cm"/>
-          <inkml:channel name="Y" type="integer" min="-2.14748E9" max="2.14748E9" units="cm"/>
-        </inkml:traceFormat>
-        <inkml:channelProperties>
-          <inkml:channelProperty channel="X" name="resolution" value="1000" units="1/cm"/>
-          <inkml:channelProperty channel="Y" name="resolution" value="1000" units="1/cm"/>
-        </inkml:channelProperties>
-      </inkml:inkSource>
-      <inkml:timestamp xml:id="ts0" timeString="2020-10-28T23:03:56.858"/>
-    </inkml:context>
-    <inkml:brush xml:id="br0">
-      <inkml:brushProperty name="width" value="0.5" units="cm"/>
-      <inkml:brushProperty name="height" value="1" units="cm"/>
-      <inkml:brushProperty name="color" value="#FFFFFF"/>
-      <inkml:brushProperty name="tip" value="rectangle"/>
-      <inkml:brushProperty name="rasterOp" value="maskPen"/>
-      <inkml:brushProperty name="ignorePressure" value="1"/>
-    </inkml:brush>
-  </inkml:definitions>
-  <inkml:trace contextRef="#ctx0" brushRef="#br0">74 0,'0'6,"0"7,-6 2,-7-2,-14-3,-1-3</inkml:trace>
-</inkml:ink>
-</file>
-
-<file path=ppt/ink/ink29.xml><?xml version="1.0" encoding="utf-8"?>
-<inkml:ink xmlns:inkml="http://www.w3.org/2003/InkML">
-  <inkml:definitions>
-    <inkml:context xml:id="ctx0">
-      <inkml:inkSource xml:id="inkSrc0">
-        <inkml:traceFormat>
-          <inkml:channel name="X" type="integer" min="-2.14748E9" max="2.14748E9" units="cm"/>
-          <inkml:channel name="Y" type="integer" min="-2.14748E9" max="2.14748E9" units="cm"/>
-        </inkml:traceFormat>
-        <inkml:channelProperties>
-          <inkml:channelProperty channel="X" name="resolution" value="1000" units="1/cm"/>
-          <inkml:channelProperty channel="Y" name="resolution" value="1000" units="1/cm"/>
-        </inkml:channelProperties>
-      </inkml:inkSource>
-      <inkml:timestamp xml:id="ts0" timeString="2020-10-28T23:04:38.528"/>
-    </inkml:context>
-    <inkml:brush xml:id="br0">
-      <inkml:brushProperty name="width" value="0.5" units="cm"/>
-      <inkml:brushProperty name="height" value="1" units="cm"/>
-      <inkml:brushProperty name="color" value="#FFFFFF"/>
-      <inkml:brushProperty name="tip" value="rectangle"/>
-      <inkml:brushProperty name="rasterOp" value="maskPen"/>
-      <inkml:brushProperty name="ignorePressure" value="1"/>
-    </inkml:brush>
-  </inkml:definitions>
-  <inkml:trace contextRef="#ctx0" brushRef="#br0">1 0,'5'0,"3"0</inkml:trace>
-</inkml:ink>
-</file>
-
 <file path=ppt/ink/ink3.xml><?xml version="1.0" encoding="utf-8"?>
 <inkml:ink xmlns:inkml="http://www.w3.org/2003/InkML">
   <inkml:definitions>
@@ -820,293 +604,6 @@
         </inkml:channelProperties>
       </inkml:inkSource>
       <inkml:timestamp xml:id="ts0" timeString="2020-10-28T23:01:55.176"/>
-    </inkml:context>
-    <inkml:brush xml:id="br0">
-      <inkml:brushProperty name="width" value="0.5" units="cm"/>
-      <inkml:brushProperty name="height" value="1" units="cm"/>
-      <inkml:brushProperty name="color" value="#FFFFFF"/>
-      <inkml:brushProperty name="tip" value="rectangle"/>
-      <inkml:brushProperty name="rasterOp" value="maskPen"/>
-      <inkml:brushProperty name="ignorePressure" value="1"/>
-    </inkml:brush>
-  </inkml:definitions>
-  <inkml:trace contextRef="#ctx0" brushRef="#br0">0 1,'0'0</inkml:trace>
-</inkml:ink>
-</file>
-
-<file path=ppt/ink/ink30.xml><?xml version="1.0" encoding="utf-8"?>
-<inkml:ink xmlns:inkml="http://www.w3.org/2003/InkML">
-  <inkml:definitions>
-    <inkml:context xml:id="ctx0">
-      <inkml:inkSource xml:id="inkSrc0">
-        <inkml:traceFormat>
-          <inkml:channel name="X" type="integer" min="-2.14748E9" max="2.14748E9" units="cm"/>
-          <inkml:channel name="Y" type="integer" min="-2.14748E9" max="2.14748E9" units="cm"/>
-        </inkml:traceFormat>
-        <inkml:channelProperties>
-          <inkml:channelProperty channel="X" name="resolution" value="1000" units="1/cm"/>
-          <inkml:channelProperty channel="Y" name="resolution" value="1000" units="1/cm"/>
-        </inkml:channelProperties>
-      </inkml:inkSource>
-      <inkml:timestamp xml:id="ts0" timeString="2020-10-28T23:37:51.257"/>
-    </inkml:context>
-    <inkml:brush xml:id="br0">
-      <inkml:brushProperty name="width" value="0.05" units="cm"/>
-      <inkml:brushProperty name="height" value="0.05" units="cm"/>
-      <inkml:brushProperty name="ignorePressure" value="1"/>
-    </inkml:brush>
-  </inkml:definitions>
-  <inkml:trace contextRef="#ctx0" brushRef="#br0">0 0,'0'0</inkml:trace>
-</inkml:ink>
-</file>
-
-<file path=ppt/ink/ink31.xml><?xml version="1.0" encoding="utf-8"?>
-<inkml:ink xmlns:inkml="http://www.w3.org/2003/InkML">
-  <inkml:definitions>
-    <inkml:context xml:id="ctx0">
-      <inkml:inkSource xml:id="inkSrc0">
-        <inkml:traceFormat>
-          <inkml:channel name="X" type="integer" min="-2.14748E9" max="2.14748E9" units="cm"/>
-          <inkml:channel name="Y" type="integer" min="-2.14748E9" max="2.14748E9" units="cm"/>
-        </inkml:traceFormat>
-        <inkml:channelProperties>
-          <inkml:channelProperty channel="X" name="resolution" value="1000" units="1/cm"/>
-          <inkml:channelProperty channel="Y" name="resolution" value="1000" units="1/cm"/>
-        </inkml:channelProperties>
-      </inkml:inkSource>
-      <inkml:timestamp xml:id="ts0" timeString="2020-10-28T23:02:44.359"/>
-    </inkml:context>
-    <inkml:brush xml:id="br0">
-      <inkml:brushProperty name="width" value="0.5" units="cm"/>
-      <inkml:brushProperty name="height" value="1" units="cm"/>
-      <inkml:brushProperty name="color" value="#FFFFFF"/>
-      <inkml:brushProperty name="tip" value="rectangle"/>
-      <inkml:brushProperty name="rasterOp" value="maskPen"/>
-      <inkml:brushProperty name="ignorePressure" value="1"/>
-    </inkml:brush>
-  </inkml:definitions>
-  <inkml:trace contextRef="#ctx0" brushRef="#br0">0 0,'0'0</inkml:trace>
-</inkml:ink>
-</file>
-
-<file path=ppt/ink/ink32.xml><?xml version="1.0" encoding="utf-8"?>
-<inkml:ink xmlns:inkml="http://www.w3.org/2003/InkML">
-  <inkml:definitions>
-    <inkml:context xml:id="ctx0">
-      <inkml:inkSource xml:id="inkSrc0">
-        <inkml:traceFormat>
-          <inkml:channel name="X" type="integer" min="-2.14748E9" max="2.14748E9" units="cm"/>
-          <inkml:channel name="Y" type="integer" min="-2.14748E9" max="2.14748E9" units="cm"/>
-        </inkml:traceFormat>
-        <inkml:channelProperties>
-          <inkml:channelProperty channel="X" name="resolution" value="1000" units="1/cm"/>
-          <inkml:channelProperty channel="Y" name="resolution" value="1000" units="1/cm"/>
-        </inkml:channelProperties>
-      </inkml:inkSource>
-      <inkml:timestamp xml:id="ts0" timeString="2020-10-28T23:02:45.199"/>
-    </inkml:context>
-    <inkml:brush xml:id="br0">
-      <inkml:brushProperty name="width" value="0.5" units="cm"/>
-      <inkml:brushProperty name="height" value="1" units="cm"/>
-      <inkml:brushProperty name="color" value="#FFFFFF"/>
-      <inkml:brushProperty name="tip" value="rectangle"/>
-      <inkml:brushProperty name="rasterOp" value="maskPen"/>
-      <inkml:brushProperty name="ignorePressure" value="1"/>
-    </inkml:brush>
-  </inkml:definitions>
-  <inkml:trace contextRef="#ctx0" brushRef="#br0">0 1,'0'0</inkml:trace>
-</inkml:ink>
-</file>
-
-<file path=ppt/ink/ink33.xml><?xml version="1.0" encoding="utf-8"?>
-<inkml:ink xmlns:inkml="http://www.w3.org/2003/InkML">
-  <inkml:definitions>
-    <inkml:context xml:id="ctx0">
-      <inkml:inkSource xml:id="inkSrc0">
-        <inkml:traceFormat>
-          <inkml:channel name="X" type="integer" min="-2.14748E9" max="2.14748E9" units="cm"/>
-          <inkml:channel name="Y" type="integer" min="-2.14748E9" max="2.14748E9" units="cm"/>
-        </inkml:traceFormat>
-        <inkml:channelProperties>
-          <inkml:channelProperty channel="X" name="resolution" value="1000" units="1/cm"/>
-          <inkml:channelProperty channel="Y" name="resolution" value="1000" units="1/cm"/>
-        </inkml:channelProperties>
-      </inkml:inkSource>
-      <inkml:timestamp xml:id="ts0" timeString="2020-10-28T23:02:45.763"/>
-    </inkml:context>
-    <inkml:brush xml:id="br0">
-      <inkml:brushProperty name="width" value="0.5" units="cm"/>
-      <inkml:brushProperty name="height" value="1" units="cm"/>
-      <inkml:brushProperty name="color" value="#FFFFFF"/>
-      <inkml:brushProperty name="tip" value="rectangle"/>
-      <inkml:brushProperty name="rasterOp" value="maskPen"/>
-      <inkml:brushProperty name="ignorePressure" value="1"/>
-    </inkml:brush>
-  </inkml:definitions>
-  <inkml:trace contextRef="#ctx0" brushRef="#br0">0 0,'0'0</inkml:trace>
-</inkml:ink>
-</file>
-
-<file path=ppt/ink/ink34.xml><?xml version="1.0" encoding="utf-8"?>
-<inkml:ink xmlns:inkml="http://www.w3.org/2003/InkML">
-  <inkml:definitions>
-    <inkml:context xml:id="ctx0">
-      <inkml:inkSource xml:id="inkSrc0">
-        <inkml:traceFormat>
-          <inkml:channel name="X" type="integer" min="-2.14748E9" max="2.14748E9" units="cm"/>
-          <inkml:channel name="Y" type="integer" min="-2.14748E9" max="2.14748E9" units="cm"/>
-        </inkml:traceFormat>
-        <inkml:channelProperties>
-          <inkml:channelProperty channel="X" name="resolution" value="1000" units="1/cm"/>
-          <inkml:channelProperty channel="Y" name="resolution" value="1000" units="1/cm"/>
-        </inkml:channelProperties>
-      </inkml:inkSource>
-      <inkml:timestamp xml:id="ts0" timeString="2020-10-28T23:02:46.202"/>
-    </inkml:context>
-    <inkml:brush xml:id="br0">
-      <inkml:brushProperty name="width" value="0.5" units="cm"/>
-      <inkml:brushProperty name="height" value="1" units="cm"/>
-      <inkml:brushProperty name="color" value="#FFFFFF"/>
-      <inkml:brushProperty name="tip" value="rectangle"/>
-      <inkml:brushProperty name="rasterOp" value="maskPen"/>
-      <inkml:brushProperty name="ignorePressure" value="1"/>
-    </inkml:brush>
-  </inkml:definitions>
-  <inkml:trace contextRef="#ctx0" brushRef="#br0">0 0,'6'0,"-4"6,-2 2</inkml:trace>
-</inkml:ink>
-</file>
-
-<file path=ppt/ink/ink35.xml><?xml version="1.0" encoding="utf-8"?>
-<inkml:ink xmlns:inkml="http://www.w3.org/2003/InkML">
-  <inkml:definitions>
-    <inkml:context xml:id="ctx0">
-      <inkml:inkSource xml:id="inkSrc0">
-        <inkml:traceFormat>
-          <inkml:channel name="X" type="integer" min="-2.14748E9" max="2.14748E9" units="cm"/>
-          <inkml:channel name="Y" type="integer" min="-2.14748E9" max="2.14748E9" units="cm"/>
-        </inkml:traceFormat>
-        <inkml:channelProperties>
-          <inkml:channelProperty channel="X" name="resolution" value="1000" units="1/cm"/>
-          <inkml:channelProperty channel="Y" name="resolution" value="1000" units="1/cm"/>
-        </inkml:channelProperties>
-      </inkml:inkSource>
-      <inkml:timestamp xml:id="ts0" timeString="2020-10-28T23:02:53.893"/>
-    </inkml:context>
-    <inkml:brush xml:id="br0">
-      <inkml:brushProperty name="width" value="0.5" units="cm"/>
-      <inkml:brushProperty name="height" value="1" units="cm"/>
-      <inkml:brushProperty name="color" value="#FFFFFF"/>
-      <inkml:brushProperty name="tip" value="rectangle"/>
-      <inkml:brushProperty name="rasterOp" value="maskPen"/>
-      <inkml:brushProperty name="ignorePressure" value="1"/>
-    </inkml:brush>
-  </inkml:definitions>
-  <inkml:trace contextRef="#ctx0" brushRef="#br0">0 0,'11'0,"10"0,1 0</inkml:trace>
-</inkml:ink>
-</file>
-
-<file path=ppt/ink/ink36.xml><?xml version="1.0" encoding="utf-8"?>
-<inkml:ink xmlns:inkml="http://www.w3.org/2003/InkML">
-  <inkml:definitions>
-    <inkml:context xml:id="ctx0">
-      <inkml:inkSource xml:id="inkSrc0">
-        <inkml:traceFormat>
-          <inkml:channel name="X" type="integer" min="-2.14748E9" max="2.14748E9" units="cm"/>
-          <inkml:channel name="Y" type="integer" min="-2.14748E9" max="2.14748E9" units="cm"/>
-        </inkml:traceFormat>
-        <inkml:channelProperties>
-          <inkml:channelProperty channel="X" name="resolution" value="1000" units="1/cm"/>
-          <inkml:channelProperty channel="Y" name="resolution" value="1000" units="1/cm"/>
-        </inkml:channelProperties>
-      </inkml:inkSource>
-      <inkml:timestamp xml:id="ts0" timeString="2020-10-28T23:03:01.422"/>
-    </inkml:context>
-    <inkml:brush xml:id="br0">
-      <inkml:brushProperty name="width" value="0.5" units="cm"/>
-      <inkml:brushProperty name="height" value="1" units="cm"/>
-      <inkml:brushProperty name="color" value="#FFFFFF"/>
-      <inkml:brushProperty name="tip" value="rectangle"/>
-      <inkml:brushProperty name="rasterOp" value="maskPen"/>
-      <inkml:brushProperty name="ignorePressure" value="1"/>
-    </inkml:brush>
-  </inkml:definitions>
-  <inkml:trace contextRef="#ctx0" brushRef="#br0">0 1,'0'0</inkml:trace>
-</inkml:ink>
-</file>
-
-<file path=ppt/ink/ink37.xml><?xml version="1.0" encoding="utf-8"?>
-<inkml:ink xmlns:inkml="http://www.w3.org/2003/InkML">
-  <inkml:definitions>
-    <inkml:context xml:id="ctx0">
-      <inkml:inkSource xml:id="inkSrc0">
-        <inkml:traceFormat>
-          <inkml:channel name="X" type="integer" min="-2.14748E9" max="2.14748E9" units="cm"/>
-          <inkml:channel name="Y" type="integer" min="-2.14748E9" max="2.14748E9" units="cm"/>
-        </inkml:traceFormat>
-        <inkml:channelProperties>
-          <inkml:channelProperty channel="X" name="resolution" value="1000" units="1/cm"/>
-          <inkml:channelProperty channel="Y" name="resolution" value="1000" units="1/cm"/>
-        </inkml:channelProperties>
-      </inkml:inkSource>
-      <inkml:timestamp xml:id="ts0" timeString="2020-10-28T23:03:01.878"/>
-    </inkml:context>
-    <inkml:brush xml:id="br0">
-      <inkml:brushProperty name="width" value="0.5" units="cm"/>
-      <inkml:brushProperty name="height" value="1" units="cm"/>
-      <inkml:brushProperty name="color" value="#FFFFFF"/>
-      <inkml:brushProperty name="tip" value="rectangle"/>
-      <inkml:brushProperty name="rasterOp" value="maskPen"/>
-      <inkml:brushProperty name="ignorePressure" value="1"/>
-    </inkml:brush>
-  </inkml:definitions>
-  <inkml:trace contextRef="#ctx0" brushRef="#br0">0 1,'0'0</inkml:trace>
-</inkml:ink>
-</file>
-
-<file path=ppt/ink/ink38.xml><?xml version="1.0" encoding="utf-8"?>
-<inkml:ink xmlns:inkml="http://www.w3.org/2003/InkML">
-  <inkml:definitions>
-    <inkml:context xml:id="ctx0">
-      <inkml:inkSource xml:id="inkSrc0">
-        <inkml:traceFormat>
-          <inkml:channel name="X" type="integer" min="-2.14748E9" max="2.14748E9" units="cm"/>
-          <inkml:channel name="Y" type="integer" min="-2.14748E9" max="2.14748E9" units="cm"/>
-        </inkml:traceFormat>
-        <inkml:channelProperties>
-          <inkml:channelProperty channel="X" name="resolution" value="1000" units="1/cm"/>
-          <inkml:channelProperty channel="Y" name="resolution" value="1000" units="1/cm"/>
-        </inkml:channelProperties>
-      </inkml:inkSource>
-      <inkml:timestamp xml:id="ts0" timeString="2020-10-28T23:03:02.265"/>
-    </inkml:context>
-    <inkml:brush xml:id="br0">
-      <inkml:brushProperty name="width" value="0.5" units="cm"/>
-      <inkml:brushProperty name="height" value="1" units="cm"/>
-      <inkml:brushProperty name="color" value="#FFFFFF"/>
-      <inkml:brushProperty name="tip" value="rectangle"/>
-      <inkml:brushProperty name="rasterOp" value="maskPen"/>
-      <inkml:brushProperty name="ignorePressure" value="1"/>
-    </inkml:brush>
-  </inkml:definitions>
-  <inkml:trace contextRef="#ctx0" brushRef="#br0">0 1,'0'0</inkml:trace>
-</inkml:ink>
-</file>
-
-<file path=ppt/ink/ink39.xml><?xml version="1.0" encoding="utf-8"?>
-<inkml:ink xmlns:inkml="http://www.w3.org/2003/InkML">
-  <inkml:definitions>
-    <inkml:context xml:id="ctx0">
-      <inkml:inkSource xml:id="inkSrc0">
-        <inkml:traceFormat>
-          <inkml:channel name="X" type="integer" min="-2.14748E9" max="2.14748E9" units="cm"/>
-          <inkml:channel name="Y" type="integer" min="-2.14748E9" max="2.14748E9" units="cm"/>
-        </inkml:traceFormat>
-        <inkml:channelProperties>
-          <inkml:channelProperty channel="X" name="resolution" value="1000" units="1/cm"/>
-          <inkml:channelProperty channel="Y" name="resolution" value="1000" units="1/cm"/>
-        </inkml:channelProperties>
-      </inkml:inkSource>
-      <inkml:timestamp xml:id="ts0" timeString="2020-10-28T23:03:02.610"/>
     </inkml:context>
     <inkml:brush xml:id="br0">
       <inkml:brushProperty name="width" value="0.5" units="cm"/>
@@ -1147,35 +644,6 @@
     </inkml:brush>
   </inkml:definitions>
   <inkml:trace contextRef="#ctx0" brushRef="#br0">0 1,'0'0</inkml:trace>
-</inkml:ink>
-</file>
-
-<file path=ppt/ink/ink40.xml><?xml version="1.0" encoding="utf-8"?>
-<inkml:ink xmlns:inkml="http://www.w3.org/2003/InkML">
-  <inkml:definitions>
-    <inkml:context xml:id="ctx0">
-      <inkml:inkSource xml:id="inkSrc0">
-        <inkml:traceFormat>
-          <inkml:channel name="X" type="integer" min="-2.14748E9" max="2.14748E9" units="cm"/>
-          <inkml:channel name="Y" type="integer" min="-2.14748E9" max="2.14748E9" units="cm"/>
-        </inkml:traceFormat>
-        <inkml:channelProperties>
-          <inkml:channelProperty channel="X" name="resolution" value="1000" units="1/cm"/>
-          <inkml:channelProperty channel="Y" name="resolution" value="1000" units="1/cm"/>
-        </inkml:channelProperties>
-      </inkml:inkSource>
-      <inkml:timestamp xml:id="ts0" timeString="2020-10-28T23:03:03.924"/>
-    </inkml:context>
-    <inkml:brush xml:id="br0">
-      <inkml:brushProperty name="width" value="0.5" units="cm"/>
-      <inkml:brushProperty name="height" value="1" units="cm"/>
-      <inkml:brushProperty name="color" value="#FFFFFF"/>
-      <inkml:brushProperty name="tip" value="rectangle"/>
-      <inkml:brushProperty name="rasterOp" value="maskPen"/>
-      <inkml:brushProperty name="ignorePressure" value="1"/>
-    </inkml:brush>
-  </inkml:definitions>
-  <inkml:trace contextRef="#ctx0" brushRef="#br0">1 0</inkml:trace>
 </inkml:ink>
 </file>
 
@@ -1309,18 +777,18 @@
           <inkml:channelProperty channel="Y" name="resolution" value="1000" units="1/cm"/>
         </inkml:channelProperties>
       </inkml:inkSource>
-      <inkml:timestamp xml:id="ts0" timeString="2020-10-28T23:00:28.782"/>
+      <inkml:timestamp xml:id="ts0" timeString="2020-10-28T23:00:57.240"/>
     </inkml:context>
     <inkml:brush xml:id="br0">
-      <inkml:brushProperty name="width" value="0.3" units="cm"/>
-      <inkml:brushProperty name="height" value="0.6" units="cm"/>
+      <inkml:brushProperty name="width" value="0.5" units="cm"/>
+      <inkml:brushProperty name="height" value="1" units="cm"/>
       <inkml:brushProperty name="color" value="#FFFFFF"/>
       <inkml:brushProperty name="tip" value="rectangle"/>
       <inkml:brushProperty name="rasterOp" value="maskPen"/>
       <inkml:brushProperty name="ignorePressure" value="1"/>
     </inkml:brush>
   </inkml:definitions>
-  <inkml:trace contextRef="#ctx0" brushRef="#br0">3862 105,'-1271'0,"1156"-5,-24-7,-86-4,-555 14,398 3,346-3,0-2,1-1,-1-2,-10-4,-70-13,-19 12,0 6,-61 8,66 0,86 2,44-4,0 0,0 0,0 0,-1 0,1 0,0 0,0 0,0 1,0-1,-1 0,1 0,0 0,0 0,0 0,0 0,-1 0,1 0,0 0,0 1,0-1,0 0,0 0,0 0,0 0,-1 0,1 1,0-1,0 0,0 0,0 0,0 0,0 1,0-1,0 0,0 0,0 0,0 1,0-1,0 0,0 0,0 0,0 0,0 1,0-1,0 0,0 0,0 0,0 0,1 1,-1-1,0 0,20 10,43 10,61 11,-29-8,63 10,2-7,83 0,-79-10,0 7,60 20,-165-29,0-2,1-3,1-3,53-2,1709-7,-1834 2,-1-1,1 0,0 0,0-1,0-1,-36-8,-207-29,-83 4,242 22,66 9,0 1,-1 2,-2 1,-72 2,54 2,0-3,-42-6,52 0</inkml:trace>
+  <inkml:trace contextRef="#ctx0" brushRef="#br0">0 14,'0'-6,"0"-2</inkml:trace>
 </inkml:ink>
 </file>
 
@@ -1406,7 +874,7 @@
           <a:p>
             <a:fld id="{9E497948-54D2-43F8-9A63-A99FE3051738}" type="datetimeFigureOut">
               <a:rPr lang="en-US" smtClean="0"/>
-              <a:t>8/11/2024</a:t>
+              <a:t>8/15/2024</a:t>
             </a:fld>
             <a:endParaRPr lang="en-US" dirty="0"/>
           </a:p>
@@ -1578,6 +1046,7 @@
     </p:extLst>
   </p:cSld>
   <p:clrMap bg1="lt1" tx1="dk1" bg2="lt2" tx2="dk2" accent1="accent1" accent2="accent2" accent3="accent3" accent4="accent4" accent5="accent5" accent6="accent6" hlink="hlink" folHlink="folHlink"/>
+  <p:hf sldNum="0" hdr="0" ftr="0" dt="0"/>
   <p:notesStyle>
     <a:lvl1pPr marL="0" algn="l" defTabSz="914400" rtl="0" eaLnBrk="1" latinLnBrk="0" hangingPunct="1">
       <a:defRPr sz="1200" kern="1200">
@@ -1721,29 +1190,6 @@
           </a:p>
         </p:txBody>
       </p:sp>
-      <p:sp>
-        <p:nvSpPr>
-          <p:cNvPr id="4" name="Slide Number Placeholder 3"/>
-          <p:cNvSpPr>
-            <a:spLocks noGrp="1"/>
-          </p:cNvSpPr>
-          <p:nvPr>
-            <p:ph type="sldNum" sz="quarter" idx="5"/>
-          </p:nvPr>
-        </p:nvSpPr>
-        <p:spPr/>
-        <p:txBody>
-          <a:bodyPr/>
-          <a:lstStyle/>
-          <a:p>
-            <a:fld id="{EEBDA0E2-FEBD-4B65-8F16-724CF984F377}" type="slidenum">
-              <a:rPr lang="en-US" smtClean="0"/>
-              <a:t>1</a:t>
-            </a:fld>
-            <a:endParaRPr lang="en-US" dirty="0"/>
-          </a:p>
-        </p:txBody>
-      </p:sp>
     </p:spTree>
     <p:extLst>
       <p:ext uri="{BB962C8B-B14F-4D97-AF65-F5344CB8AC3E}">
@@ -1801,29 +1247,6 @@
           <a:bodyPr/>
           <a:lstStyle/>
           <a:p>
-            <a:endParaRPr lang="en-US" dirty="0"/>
-          </a:p>
-        </p:txBody>
-      </p:sp>
-      <p:sp>
-        <p:nvSpPr>
-          <p:cNvPr id="4" name="Slide Number Placeholder 3"/>
-          <p:cNvSpPr>
-            <a:spLocks noGrp="1"/>
-          </p:cNvSpPr>
-          <p:nvPr>
-            <p:ph type="sldNum" sz="quarter" idx="5"/>
-          </p:nvPr>
-        </p:nvSpPr>
-        <p:spPr/>
-        <p:txBody>
-          <a:bodyPr/>
-          <a:lstStyle/>
-          <a:p>
-            <a:fld id="{EEBDA0E2-FEBD-4B65-8F16-724CF984F377}" type="slidenum">
-              <a:rPr lang="en-US" smtClean="0"/>
-              <a:t>3</a:t>
-            </a:fld>
             <a:endParaRPr lang="en-US" dirty="0"/>
           </a:p>
         </p:txBody>
@@ -1889,29 +1312,6 @@
           </a:p>
         </p:txBody>
       </p:sp>
-      <p:sp>
-        <p:nvSpPr>
-          <p:cNvPr id="4" name="Slide Number Placeholder 3"/>
-          <p:cNvSpPr>
-            <a:spLocks noGrp="1"/>
-          </p:cNvSpPr>
-          <p:nvPr>
-            <p:ph type="sldNum" sz="quarter" idx="5"/>
-          </p:nvPr>
-        </p:nvSpPr>
-        <p:spPr/>
-        <p:txBody>
-          <a:bodyPr/>
-          <a:lstStyle/>
-          <a:p>
-            <a:fld id="{EEBDA0E2-FEBD-4B65-8F16-724CF984F377}" type="slidenum">
-              <a:rPr lang="en-US" smtClean="0"/>
-              <a:t>7</a:t>
-            </a:fld>
-            <a:endParaRPr lang="en-US" dirty="0"/>
-          </a:p>
-        </p:txBody>
-      </p:sp>
     </p:spTree>
     <p:extLst>
       <p:ext uri="{BB962C8B-B14F-4D97-AF65-F5344CB8AC3E}">
@@ -1970,29 +1370,6 @@
           <a:lstStyle/>
           <a:p>
             <a:endParaRPr lang="en-CA" dirty="0"/>
-          </a:p>
-        </p:txBody>
-      </p:sp>
-      <p:sp>
-        <p:nvSpPr>
-          <p:cNvPr id="4" name="Slide Number Placeholder 3"/>
-          <p:cNvSpPr>
-            <a:spLocks noGrp="1"/>
-          </p:cNvSpPr>
-          <p:nvPr>
-            <p:ph type="sldNum" sz="quarter" idx="5"/>
-          </p:nvPr>
-        </p:nvSpPr>
-        <p:spPr/>
-        <p:txBody>
-          <a:bodyPr/>
-          <a:lstStyle/>
-          <a:p>
-            <a:fld id="{EEBDA0E2-FEBD-4B65-8F16-724CF984F377}" type="slidenum">
-              <a:rPr lang="en-US" smtClean="0"/>
-              <a:t>8</a:t>
-            </a:fld>
-            <a:endParaRPr lang="en-US" dirty="0"/>
           </a:p>
         </p:txBody>
       </p:sp>
@@ -4724,53 +4101,6 @@
           </a:prstGeom>
         </p:spPr>
       </p:pic>
-      <p:sp>
-        <p:nvSpPr>
-          <p:cNvPr id="6" name="TextBox 5">
-            <a:extLst>
-              <a:ext uri="{FF2B5EF4-FFF2-40B4-BE49-F238E27FC236}">
-                <a16:creationId xmlns:a16="http://schemas.microsoft.com/office/drawing/2014/main" id="{A7061D55-A98D-BA41-D899-E70AC74F9C3A}"/>
-              </a:ext>
-            </a:extLst>
-          </p:cNvPr>
-          <p:cNvSpPr txBox="1"/>
-          <p:nvPr userDrawn="1">
-            <p:extLst>
-              <p:ext uri="{1162E1C5-73C7-4A58-AE30-91384D911F3F}">
-                <p184:classification xmlns:p184="http://schemas.microsoft.com/office/powerpoint/2018/4/main" val="hdr"/>
-              </p:ext>
-            </p:extLst>
-          </p:nvPr>
-        </p:nvSpPr>
-        <p:spPr>
-          <a:xfrm>
-            <a:off x="0" y="0"/>
-            <a:ext cx="1163638" cy="152400"/>
-          </a:xfrm>
-          <a:prstGeom prst="rect">
-            <a:avLst/>
-          </a:prstGeom>
-        </p:spPr>
-        <p:txBody>
-          <a:bodyPr horzOverflow="overflow" lIns="0" tIns="0" rIns="0" bIns="0">
-            <a:spAutoFit/>
-          </a:bodyPr>
-          <a:lstStyle/>
-          <a:p>
-            <a:pPr algn="l"/>
-            <a:r>
-              <a:rPr lang="en-CA" sz="1000" dirty="0">
-                <a:solidFill>
-                  <a:srgbClr val="737373"/>
-                </a:solidFill>
-                <a:latin typeface="Calibri" panose="020F0502020204030204" pitchFamily="34" charset="0"/>
-                <a:cs typeface="Calibri" panose="020F0502020204030204" pitchFamily="34" charset="0"/>
-              </a:rPr>
-              <a:t>Classification - PUBLIC</a:t>
-            </a:r>
-          </a:p>
-        </p:txBody>
-      </p:sp>
     </p:spTree>
     <p:extLst>
       <p:ext uri="{BB962C8B-B14F-4D97-AF65-F5344CB8AC3E}">
@@ -5123,47 +4453,21 @@
           <a:lstStyle/>
           <a:p>
             <a:r>
-              <a:rPr lang="en-US" dirty="0">
+              <a:rPr lang="en-US">
                 <a:solidFill>
                   <a:srgbClr val="0E659B"/>
                 </a:solidFill>
               </a:rPr>
               <a:t>Current Technologies adoption and prevalence</a:t>
             </a:r>
+            <a:endParaRPr lang="en-US" dirty="0">
+              <a:solidFill>
+                <a:srgbClr val="0E659B"/>
+              </a:solidFill>
+            </a:endParaRPr>
           </a:p>
         </p:txBody>
       </p:sp>
-      <p:pic>
-        <p:nvPicPr>
-          <p:cNvPr id="4" name="Picture 3">
-            <a:extLst>
-              <a:ext uri="{FF2B5EF4-FFF2-40B4-BE49-F238E27FC236}">
-                <a16:creationId xmlns:a16="http://schemas.microsoft.com/office/drawing/2014/main" id="{472BA16E-D1FA-4491-9564-DD4BCFEACAD2}"/>
-              </a:ext>
-            </a:extLst>
-          </p:cNvPr>
-          <p:cNvPicPr>
-            <a:picLocks noChangeAspect="1"/>
-          </p:cNvPicPr>
-          <p:nvPr/>
-        </p:nvPicPr>
-        <p:blipFill>
-          <a:blip r:embed="rId3"/>
-          <a:stretch>
-            <a:fillRect/>
-          </a:stretch>
-        </p:blipFill>
-        <p:spPr>
-          <a:xfrm>
-            <a:off x="1031569" y="1825625"/>
-            <a:ext cx="4794861" cy="4351338"/>
-          </a:xfrm>
-          <a:prstGeom prst="rect">
-            <a:avLst/>
-          </a:prstGeom>
-          <a:noFill/>
-        </p:spPr>
-      </p:pic>
       <p:sp>
         <p:nvSpPr>
           <p:cNvPr id="3" name="Subtitle 2">
@@ -5183,7 +4487,7 @@
         <p:spPr>
           <a:xfrm>
             <a:off x="6172200" y="4023613"/>
-            <a:ext cx="5181600" cy="2616956"/>
+            <a:ext cx="5181600" cy="1580774"/>
           </a:xfrm>
         </p:spPr>
         <p:txBody>
@@ -5196,7 +4500,7 @@
               <a:buNone/>
             </a:pPr>
             <a:r>
-              <a:rPr lang="en-US" dirty="0"/>
+              <a:rPr lang="en-US"/>
               <a:t>Olamide Olayinka</a:t>
             </a:r>
           </a:p>
@@ -5205,278 +4509,24 @@
               <a:buNone/>
             </a:pPr>
             <a:r>
-              <a:rPr lang="en-US" dirty="0"/>
+              <a:rPr lang="en-US"/>
               <a:t>August 11</a:t>
             </a:r>
             <a:r>
-              <a:rPr lang="en-US" baseline="30000" dirty="0"/>
+              <a:rPr lang="en-US" baseline="30000"/>
               <a:t>th</a:t>
             </a:r>
             <a:r>
-              <a:rPr lang="en-US" dirty="0"/>
+              <a:rPr lang="en-US"/>
               <a:t> 2024</a:t>
             </a:r>
+            <a:endParaRPr lang="en-US" dirty="0"/>
           </a:p>
         </p:txBody>
       </p:sp>
       <mc:AlternateContent xmlns:mc="http://schemas.openxmlformats.org/markup-compatibility/2006" xmlns:p14="http://schemas.microsoft.com/office/powerpoint/2010/main">
         <mc:Choice Requires="p14">
-          <p:contentPart p14:bwMode="auto" r:id="rId4">
-            <p14:nvContentPartPr>
-              <p14:cNvPr id="6" name="Ink 5">
-                <a:extLst>
-                  <a:ext uri="{FF2B5EF4-FFF2-40B4-BE49-F238E27FC236}">
-                    <a16:creationId xmlns:a16="http://schemas.microsoft.com/office/drawing/2014/main" id="{BB9E41AB-16C2-481D-B8C5-779DDB04601D}"/>
-                  </a:ext>
-                </a:extLst>
-              </p14:cNvPr>
-              <p14:cNvContentPartPr/>
-              <p14:nvPr/>
-            </p14:nvContentPartPr>
-            <p14:xfrm>
-              <a:off x="1388880" y="6545472"/>
-              <a:ext cx="1390320" cy="112320"/>
-            </p14:xfrm>
-          </p:contentPart>
-        </mc:Choice>
-        <mc:Fallback xmlns="">
-          <p:pic>
-            <p:nvPicPr>
-              <p:cNvPr id="6" name="Ink 5">
-                <a:extLst>
-                  <a:ext uri="{FF2B5EF4-FFF2-40B4-BE49-F238E27FC236}">
-                    <a16:creationId xmlns:a16="http://schemas.microsoft.com/office/drawing/2014/main" id="{BB9E41AB-16C2-481D-B8C5-779DDB04601D}"/>
-                  </a:ext>
-                </a:extLst>
-              </p:cNvPr>
-              <p:cNvPicPr/>
-              <p:nvPr/>
-            </p:nvPicPr>
-            <p:blipFill>
-              <a:blip r:embed="rId6"/>
-              <a:stretch>
-                <a:fillRect/>
-              </a:stretch>
-            </p:blipFill>
-            <p:spPr>
-              <a:xfrm>
-                <a:off x="1335240" y="6437472"/>
-                <a:ext cx="1497960" cy="327960"/>
-              </a:xfrm>
-              <a:prstGeom prst="rect">
-                <a:avLst/>
-              </a:prstGeom>
-            </p:spPr>
-          </p:pic>
-        </mc:Fallback>
-      </mc:AlternateContent>
-      <mc:AlternateContent xmlns:mc="http://schemas.openxmlformats.org/markup-compatibility/2006" xmlns:p14="http://schemas.microsoft.com/office/powerpoint/2010/main">
-        <mc:Choice Requires="p14">
-          <p:contentPart p14:bwMode="auto" r:id="rId7">
-            <p14:nvContentPartPr>
-              <p14:cNvPr id="7" name="Ink 6">
-                <a:extLst>
-                  <a:ext uri="{FF2B5EF4-FFF2-40B4-BE49-F238E27FC236}">
-                    <a16:creationId xmlns:a16="http://schemas.microsoft.com/office/drawing/2014/main" id="{90DC8B94-332B-48F1-BD44-5D8DC140F977}"/>
-                  </a:ext>
-                </a:extLst>
-              </p14:cNvPr>
-              <p14:cNvContentPartPr/>
-              <p14:nvPr/>
-            </p14:nvContentPartPr>
-            <p14:xfrm>
-              <a:off x="2218680" y="6595872"/>
-              <a:ext cx="360" cy="360"/>
-            </p14:xfrm>
-          </p:contentPart>
-        </mc:Choice>
-        <mc:Fallback xmlns="">
-          <p:pic>
-            <p:nvPicPr>
-              <p:cNvPr id="7" name="Ink 6">
-                <a:extLst>
-                  <a:ext uri="{FF2B5EF4-FFF2-40B4-BE49-F238E27FC236}">
-                    <a16:creationId xmlns:a16="http://schemas.microsoft.com/office/drawing/2014/main" id="{90DC8B94-332B-48F1-BD44-5D8DC140F977}"/>
-                  </a:ext>
-                </a:extLst>
-              </p:cNvPr>
-              <p:cNvPicPr/>
-              <p:nvPr/>
-            </p:nvPicPr>
-            <p:blipFill>
-              <a:blip r:embed="rId8"/>
-              <a:stretch>
-                <a:fillRect/>
-              </a:stretch>
-            </p:blipFill>
-            <p:spPr>
-              <a:xfrm>
-                <a:off x="2164680" y="6487872"/>
-                <a:ext cx="108000" cy="216000"/>
-              </a:xfrm>
-              <a:prstGeom prst="rect">
-                <a:avLst/>
-              </a:prstGeom>
-            </p:spPr>
-          </p:pic>
-        </mc:Fallback>
-      </mc:AlternateContent>
-      <mc:AlternateContent xmlns:mc="http://schemas.openxmlformats.org/markup-compatibility/2006" xmlns:p14="http://schemas.microsoft.com/office/powerpoint/2010/main">
-        <mc:Choice Requires="p14">
-          <p:contentPart p14:bwMode="auto" r:id="rId9">
-            <p14:nvContentPartPr>
-              <p14:cNvPr id="8" name="Ink 7">
-                <a:extLst>
-                  <a:ext uri="{FF2B5EF4-FFF2-40B4-BE49-F238E27FC236}">
-                    <a16:creationId xmlns:a16="http://schemas.microsoft.com/office/drawing/2014/main" id="{E975E1FA-D9DC-4E9B-96CB-AF4B208FDD0D}"/>
-                  </a:ext>
-                </a:extLst>
-              </p14:cNvPr>
-              <p14:cNvContentPartPr/>
-              <p14:nvPr/>
-            </p14:nvContentPartPr>
-            <p14:xfrm>
-              <a:off x="2169720" y="6582912"/>
-              <a:ext cx="360" cy="360"/>
-            </p14:xfrm>
-          </p:contentPart>
-        </mc:Choice>
-        <mc:Fallback xmlns="">
-          <p:pic>
-            <p:nvPicPr>
-              <p:cNvPr id="8" name="Ink 7">
-                <a:extLst>
-                  <a:ext uri="{FF2B5EF4-FFF2-40B4-BE49-F238E27FC236}">
-                    <a16:creationId xmlns:a16="http://schemas.microsoft.com/office/drawing/2014/main" id="{E975E1FA-D9DC-4E9B-96CB-AF4B208FDD0D}"/>
-                  </a:ext>
-                </a:extLst>
-              </p:cNvPr>
-              <p:cNvPicPr/>
-              <p:nvPr/>
-            </p:nvPicPr>
-            <p:blipFill>
-              <a:blip r:embed="rId8"/>
-              <a:stretch>
-                <a:fillRect/>
-              </a:stretch>
-            </p:blipFill>
-            <p:spPr>
-              <a:xfrm>
-                <a:off x="2115720" y="6475272"/>
-                <a:ext cx="108000" cy="216000"/>
-              </a:xfrm>
-              <a:prstGeom prst="rect">
-                <a:avLst/>
-              </a:prstGeom>
-            </p:spPr>
-          </p:pic>
-        </mc:Fallback>
-      </mc:AlternateContent>
-      <mc:AlternateContent xmlns:mc="http://schemas.openxmlformats.org/markup-compatibility/2006" xmlns:p14="http://schemas.microsoft.com/office/powerpoint/2010/main">
-        <mc:Choice Requires="p14">
-          <p:contentPart p14:bwMode="auto" r:id="rId10">
-            <p14:nvContentPartPr>
-              <p14:cNvPr id="9" name="Ink 8">
-                <a:extLst>
-                  <a:ext uri="{FF2B5EF4-FFF2-40B4-BE49-F238E27FC236}">
-                    <a16:creationId xmlns:a16="http://schemas.microsoft.com/office/drawing/2014/main" id="{454E5C77-5960-45F2-A8F4-437BBCEB11F6}"/>
-                  </a:ext>
-                </a:extLst>
-              </p14:cNvPr>
-              <p14:cNvContentPartPr/>
-              <p14:nvPr/>
-            </p14:nvContentPartPr>
-            <p14:xfrm>
-              <a:off x="2169720" y="6582912"/>
-              <a:ext cx="360" cy="360"/>
-            </p14:xfrm>
-          </p:contentPart>
-        </mc:Choice>
-        <mc:Fallback xmlns="">
-          <p:pic>
-            <p:nvPicPr>
-              <p:cNvPr id="9" name="Ink 8">
-                <a:extLst>
-                  <a:ext uri="{FF2B5EF4-FFF2-40B4-BE49-F238E27FC236}">
-                    <a16:creationId xmlns:a16="http://schemas.microsoft.com/office/drawing/2014/main" id="{454E5C77-5960-45F2-A8F4-437BBCEB11F6}"/>
-                  </a:ext>
-                </a:extLst>
-              </p:cNvPr>
-              <p:cNvPicPr/>
-              <p:nvPr/>
-            </p:nvPicPr>
-            <p:blipFill>
-              <a:blip r:embed="rId8"/>
-              <a:stretch>
-                <a:fillRect/>
-              </a:stretch>
-            </p:blipFill>
-            <p:spPr>
-              <a:xfrm>
-                <a:off x="2115720" y="6475272"/>
-                <a:ext cx="108000" cy="216000"/>
-              </a:xfrm>
-              <a:prstGeom prst="rect">
-                <a:avLst/>
-              </a:prstGeom>
-            </p:spPr>
-          </p:pic>
-        </mc:Fallback>
-      </mc:AlternateContent>
-      <mc:AlternateContent xmlns:mc="http://schemas.openxmlformats.org/markup-compatibility/2006" xmlns:p14="http://schemas.microsoft.com/office/powerpoint/2010/main">
-        <mc:Choice Requires="p14">
-          <p:contentPart p14:bwMode="auto" r:id="rId11">
-            <p14:nvContentPartPr>
-              <p14:cNvPr id="10" name="Ink 9">
-                <a:extLst>
-                  <a:ext uri="{FF2B5EF4-FFF2-40B4-BE49-F238E27FC236}">
-                    <a16:creationId xmlns:a16="http://schemas.microsoft.com/office/drawing/2014/main" id="{0599CA86-0AA4-43B0-9BD8-C408990EDF1F}"/>
-                  </a:ext>
-                </a:extLst>
-              </p14:cNvPr>
-              <p14:cNvContentPartPr/>
-              <p14:nvPr/>
-            </p14:nvContentPartPr>
-            <p14:xfrm>
-              <a:off x="2169720" y="6582912"/>
-              <a:ext cx="360" cy="360"/>
-            </p14:xfrm>
-          </p:contentPart>
-        </mc:Choice>
-        <mc:Fallback xmlns="">
-          <p:pic>
-            <p:nvPicPr>
-              <p:cNvPr id="10" name="Ink 9">
-                <a:extLst>
-                  <a:ext uri="{FF2B5EF4-FFF2-40B4-BE49-F238E27FC236}">
-                    <a16:creationId xmlns:a16="http://schemas.microsoft.com/office/drawing/2014/main" id="{0599CA86-0AA4-43B0-9BD8-C408990EDF1F}"/>
-                  </a:ext>
-                </a:extLst>
-              </p:cNvPr>
-              <p:cNvPicPr/>
-              <p:nvPr/>
-            </p:nvPicPr>
-            <p:blipFill>
-              <a:blip r:embed="rId8"/>
-              <a:stretch>
-                <a:fillRect/>
-              </a:stretch>
-            </p:blipFill>
-            <p:spPr>
-              <a:xfrm>
-                <a:off x="2115720" y="6475272"/>
-                <a:ext cx="108000" cy="216000"/>
-              </a:xfrm>
-              <a:prstGeom prst="rect">
-                <a:avLst/>
-              </a:prstGeom>
-            </p:spPr>
-          </p:pic>
-        </mc:Fallback>
-      </mc:AlternateContent>
-      <mc:AlternateContent xmlns:mc="http://schemas.openxmlformats.org/markup-compatibility/2006" xmlns:p14="http://schemas.microsoft.com/office/powerpoint/2010/main">
-        <mc:Choice Requires="p14">
-          <p:contentPart p14:bwMode="auto" r:id="rId12">
+          <p:contentPart p14:bwMode="auto" r:id="rId3">
             <p14:nvContentPartPr>
               <p14:cNvPr id="13" name="Ink 12">
                 <a:extLst>
@@ -5529,414 +4579,6 @@
         <mc:Choice Requires="p14">
           <p:contentPart p14:bwMode="auto" r:id="rId17">
             <p14:nvContentPartPr>
-              <p14:cNvPr id="14" name="Ink 13">
-                <a:extLst>
-                  <a:ext uri="{FF2B5EF4-FFF2-40B4-BE49-F238E27FC236}">
-                    <a16:creationId xmlns:a16="http://schemas.microsoft.com/office/drawing/2014/main" id="{0E36B71F-8617-4B05-A565-CA68910B66AF}"/>
-                  </a:ext>
-                </a:extLst>
-              </p14:cNvPr>
-              <p14:cNvContentPartPr/>
-              <p14:nvPr/>
-            </p14:nvContentPartPr>
-            <p14:xfrm>
-              <a:off x="2998440" y="1035936"/>
-              <a:ext cx="360" cy="360"/>
-            </p14:xfrm>
-          </p:contentPart>
-        </mc:Choice>
-        <mc:Fallback xmlns="">
-          <p:pic>
-            <p:nvPicPr>
-              <p:cNvPr id="14" name="Ink 13">
-                <a:extLst>
-                  <a:ext uri="{FF2B5EF4-FFF2-40B4-BE49-F238E27FC236}">
-                    <a16:creationId xmlns:a16="http://schemas.microsoft.com/office/drawing/2014/main" id="{0E36B71F-8617-4B05-A565-CA68910B66AF}"/>
-                  </a:ext>
-                </a:extLst>
-              </p:cNvPr>
-              <p:cNvPicPr/>
-              <p:nvPr/>
-            </p:nvPicPr>
-            <p:blipFill>
-              <a:blip r:embed="rId18"/>
-              <a:stretch>
-                <a:fillRect/>
-              </a:stretch>
-            </p:blipFill>
-            <p:spPr>
-              <a:xfrm>
-                <a:off x="2908800" y="855936"/>
-                <a:ext cx="180000" cy="360000"/>
-              </a:xfrm>
-              <a:prstGeom prst="rect">
-                <a:avLst/>
-              </a:prstGeom>
-            </p:spPr>
-          </p:pic>
-        </mc:Fallback>
-      </mc:AlternateContent>
-      <mc:AlternateContent xmlns:mc="http://schemas.openxmlformats.org/markup-compatibility/2006" xmlns:p14="http://schemas.microsoft.com/office/powerpoint/2010/main">
-        <mc:Choice Requires="p14">
-          <p:contentPart p14:bwMode="auto" r:id="rId19">
-            <p14:nvContentPartPr>
-              <p14:cNvPr id="15" name="Ink 14">
-                <a:extLst>
-                  <a:ext uri="{FF2B5EF4-FFF2-40B4-BE49-F238E27FC236}">
-                    <a16:creationId xmlns:a16="http://schemas.microsoft.com/office/drawing/2014/main" id="{C3E9255F-D54C-4938-861C-0719B95285A6}"/>
-                  </a:ext>
-                </a:extLst>
-              </p14:cNvPr>
-              <p14:cNvContentPartPr/>
-              <p14:nvPr/>
-            </p14:nvContentPartPr>
-            <p14:xfrm>
-              <a:off x="2998440" y="1035936"/>
-              <a:ext cx="360" cy="360"/>
-            </p14:xfrm>
-          </p:contentPart>
-        </mc:Choice>
-        <mc:Fallback xmlns="">
-          <p:pic>
-            <p:nvPicPr>
-              <p:cNvPr id="15" name="Ink 14">
-                <a:extLst>
-                  <a:ext uri="{FF2B5EF4-FFF2-40B4-BE49-F238E27FC236}">
-                    <a16:creationId xmlns:a16="http://schemas.microsoft.com/office/drawing/2014/main" id="{C3E9255F-D54C-4938-861C-0719B95285A6}"/>
-                  </a:ext>
-                </a:extLst>
-              </p:cNvPr>
-              <p:cNvPicPr/>
-              <p:nvPr/>
-            </p:nvPicPr>
-            <p:blipFill>
-              <a:blip r:embed="rId18"/>
-              <a:stretch>
-                <a:fillRect/>
-              </a:stretch>
-            </p:blipFill>
-            <p:spPr>
-              <a:xfrm>
-                <a:off x="2908800" y="855936"/>
-                <a:ext cx="180000" cy="360000"/>
-              </a:xfrm>
-              <a:prstGeom prst="rect">
-                <a:avLst/>
-              </a:prstGeom>
-            </p:spPr>
-          </p:pic>
-        </mc:Fallback>
-      </mc:AlternateContent>
-      <mc:AlternateContent xmlns:mc="http://schemas.openxmlformats.org/markup-compatibility/2006" xmlns:p14="http://schemas.microsoft.com/office/powerpoint/2010/main">
-        <mc:Choice Requires="p14">
-          <p:contentPart p14:bwMode="auto" r:id="rId20">
-            <p14:nvContentPartPr>
-              <p14:cNvPr id="16" name="Ink 15">
-                <a:extLst>
-                  <a:ext uri="{FF2B5EF4-FFF2-40B4-BE49-F238E27FC236}">
-                    <a16:creationId xmlns:a16="http://schemas.microsoft.com/office/drawing/2014/main" id="{63A7B024-B577-4CAE-BEB0-A6669B501358}"/>
-                  </a:ext>
-                </a:extLst>
-              </p14:cNvPr>
-              <p14:cNvContentPartPr/>
-              <p14:nvPr/>
-            </p14:nvContentPartPr>
-            <p14:xfrm>
-              <a:off x="2993760" y="1035936"/>
-              <a:ext cx="5040" cy="360"/>
-            </p14:xfrm>
-          </p:contentPart>
-        </mc:Choice>
-        <mc:Fallback xmlns="">
-          <p:pic>
-            <p:nvPicPr>
-              <p:cNvPr id="16" name="Ink 15">
-                <a:extLst>
-                  <a:ext uri="{FF2B5EF4-FFF2-40B4-BE49-F238E27FC236}">
-                    <a16:creationId xmlns:a16="http://schemas.microsoft.com/office/drawing/2014/main" id="{63A7B024-B577-4CAE-BEB0-A6669B501358}"/>
-                  </a:ext>
-                </a:extLst>
-              </p:cNvPr>
-              <p:cNvPicPr/>
-              <p:nvPr/>
-            </p:nvPicPr>
-            <p:blipFill>
-              <a:blip r:embed="rId21"/>
-              <a:stretch>
-                <a:fillRect/>
-              </a:stretch>
-            </p:blipFill>
-            <p:spPr>
-              <a:xfrm>
-                <a:off x="2904120" y="855936"/>
-                <a:ext cx="184680" cy="360000"/>
-              </a:xfrm>
-              <a:prstGeom prst="rect">
-                <a:avLst/>
-              </a:prstGeom>
-            </p:spPr>
-          </p:pic>
-        </mc:Fallback>
-      </mc:AlternateContent>
-      <mc:AlternateContent xmlns:mc="http://schemas.openxmlformats.org/markup-compatibility/2006" xmlns:p14="http://schemas.microsoft.com/office/powerpoint/2010/main">
-        <mc:Choice Requires="p14">
-          <p:contentPart p14:bwMode="auto" r:id="rId22">
-            <p14:nvContentPartPr>
-              <p14:cNvPr id="17" name="Ink 16">
-                <a:extLst>
-                  <a:ext uri="{FF2B5EF4-FFF2-40B4-BE49-F238E27FC236}">
-                    <a16:creationId xmlns:a16="http://schemas.microsoft.com/office/drawing/2014/main" id="{E0A5D064-5764-4BC6-889A-E61EBBCB274B}"/>
-                  </a:ext>
-                </a:extLst>
-              </p14:cNvPr>
-              <p14:cNvContentPartPr/>
-              <p14:nvPr/>
-            </p14:nvContentPartPr>
-            <p14:xfrm>
-              <a:off x="3729960" y="950616"/>
-              <a:ext cx="360" cy="360"/>
-            </p14:xfrm>
-          </p:contentPart>
-        </mc:Choice>
-        <mc:Fallback xmlns="">
-          <p:pic>
-            <p:nvPicPr>
-              <p:cNvPr id="17" name="Ink 16">
-                <a:extLst>
-                  <a:ext uri="{FF2B5EF4-FFF2-40B4-BE49-F238E27FC236}">
-                    <a16:creationId xmlns:a16="http://schemas.microsoft.com/office/drawing/2014/main" id="{E0A5D064-5764-4BC6-889A-E61EBBCB274B}"/>
-                  </a:ext>
-                </a:extLst>
-              </p:cNvPr>
-              <p:cNvPicPr/>
-              <p:nvPr/>
-            </p:nvPicPr>
-            <p:blipFill>
-              <a:blip r:embed="rId18"/>
-              <a:stretch>
-                <a:fillRect/>
-              </a:stretch>
-            </p:blipFill>
-            <p:spPr>
-              <a:xfrm>
-                <a:off x="3640320" y="770616"/>
-                <a:ext cx="180000" cy="360000"/>
-              </a:xfrm>
-              <a:prstGeom prst="rect">
-                <a:avLst/>
-              </a:prstGeom>
-            </p:spPr>
-          </p:pic>
-        </mc:Fallback>
-      </mc:AlternateContent>
-      <mc:AlternateContent xmlns:mc="http://schemas.openxmlformats.org/markup-compatibility/2006" xmlns:p14="http://schemas.microsoft.com/office/powerpoint/2010/main">
-        <mc:Choice Requires="p14">
-          <p:contentPart p14:bwMode="auto" r:id="rId23">
-            <p14:nvContentPartPr>
-              <p14:cNvPr id="18" name="Ink 17">
-                <a:extLst>
-                  <a:ext uri="{FF2B5EF4-FFF2-40B4-BE49-F238E27FC236}">
-                    <a16:creationId xmlns:a16="http://schemas.microsoft.com/office/drawing/2014/main" id="{2CB02C25-2F1E-43D4-A77C-3F295035E347}"/>
-                  </a:ext>
-                </a:extLst>
-              </p14:cNvPr>
-              <p14:cNvContentPartPr/>
-              <p14:nvPr/>
-            </p14:nvContentPartPr>
-            <p14:xfrm>
-              <a:off x="3620520" y="1047816"/>
-              <a:ext cx="360" cy="360"/>
-            </p14:xfrm>
-          </p:contentPart>
-        </mc:Choice>
-        <mc:Fallback xmlns="">
-          <p:pic>
-            <p:nvPicPr>
-              <p:cNvPr id="18" name="Ink 17">
-                <a:extLst>
-                  <a:ext uri="{FF2B5EF4-FFF2-40B4-BE49-F238E27FC236}">
-                    <a16:creationId xmlns:a16="http://schemas.microsoft.com/office/drawing/2014/main" id="{2CB02C25-2F1E-43D4-A77C-3F295035E347}"/>
-                  </a:ext>
-                </a:extLst>
-              </p:cNvPr>
-              <p:cNvPicPr/>
-              <p:nvPr/>
-            </p:nvPicPr>
-            <p:blipFill>
-              <a:blip r:embed="rId18"/>
-              <a:stretch>
-                <a:fillRect/>
-              </a:stretch>
-            </p:blipFill>
-            <p:spPr>
-              <a:xfrm>
-                <a:off x="3530880" y="868176"/>
-                <a:ext cx="180000" cy="360000"/>
-              </a:xfrm>
-              <a:prstGeom prst="rect">
-                <a:avLst/>
-              </a:prstGeom>
-            </p:spPr>
-          </p:pic>
-        </mc:Fallback>
-      </mc:AlternateContent>
-      <mc:AlternateContent xmlns:mc="http://schemas.openxmlformats.org/markup-compatibility/2006" xmlns:p14="http://schemas.microsoft.com/office/powerpoint/2010/main">
-        <mc:Choice Requires="p14">
-          <p:contentPart p14:bwMode="auto" r:id="rId24">
-            <p14:nvContentPartPr>
-              <p14:cNvPr id="19" name="Ink 18">
-                <a:extLst>
-                  <a:ext uri="{FF2B5EF4-FFF2-40B4-BE49-F238E27FC236}">
-                    <a16:creationId xmlns:a16="http://schemas.microsoft.com/office/drawing/2014/main" id="{4BA54EC1-BC0A-44CE-B6F6-610C5C43FEAF}"/>
-                  </a:ext>
-                </a:extLst>
-              </p14:cNvPr>
-              <p14:cNvContentPartPr/>
-              <p14:nvPr/>
-            </p14:nvContentPartPr>
-            <p14:xfrm>
-              <a:off x="7131960" y="2462616"/>
-              <a:ext cx="360" cy="360"/>
-            </p14:xfrm>
-          </p:contentPart>
-        </mc:Choice>
-        <mc:Fallback xmlns="">
-          <p:pic>
-            <p:nvPicPr>
-              <p:cNvPr id="19" name="Ink 18">
-                <a:extLst>
-                  <a:ext uri="{FF2B5EF4-FFF2-40B4-BE49-F238E27FC236}">
-                    <a16:creationId xmlns:a16="http://schemas.microsoft.com/office/drawing/2014/main" id="{4BA54EC1-BC0A-44CE-B6F6-610C5C43FEAF}"/>
-                  </a:ext>
-                </a:extLst>
-              </p:cNvPr>
-              <p:cNvPicPr/>
-              <p:nvPr/>
-            </p:nvPicPr>
-            <p:blipFill>
-              <a:blip r:embed="rId18"/>
-              <a:stretch>
-                <a:fillRect/>
-              </a:stretch>
-            </p:blipFill>
-            <p:spPr>
-              <a:xfrm>
-                <a:off x="7041960" y="2282616"/>
-                <a:ext cx="180000" cy="360000"/>
-              </a:xfrm>
-              <a:prstGeom prst="rect">
-                <a:avLst/>
-              </a:prstGeom>
-            </p:spPr>
-          </p:pic>
-        </mc:Fallback>
-      </mc:AlternateContent>
-      <mc:AlternateContent xmlns:mc="http://schemas.openxmlformats.org/markup-compatibility/2006" xmlns:p14="http://schemas.microsoft.com/office/powerpoint/2010/main">
-        <mc:Choice Requires="p14">
-          <p:contentPart p14:bwMode="auto" r:id="rId25">
-            <p14:nvContentPartPr>
-              <p14:cNvPr id="20" name="Ink 19">
-                <a:extLst>
-                  <a:ext uri="{FF2B5EF4-FFF2-40B4-BE49-F238E27FC236}">
-                    <a16:creationId xmlns:a16="http://schemas.microsoft.com/office/drawing/2014/main" id="{A047CCDF-AC55-4CA2-8CC2-5DEAB5DBDA79}"/>
-                  </a:ext>
-                </a:extLst>
-              </p14:cNvPr>
-              <p14:cNvContentPartPr/>
-              <p14:nvPr/>
-            </p14:nvContentPartPr>
-            <p14:xfrm>
-              <a:off x="7131960" y="2510856"/>
-              <a:ext cx="360" cy="360"/>
-            </p14:xfrm>
-          </p:contentPart>
-        </mc:Choice>
-        <mc:Fallback xmlns="">
-          <p:pic>
-            <p:nvPicPr>
-              <p:cNvPr id="20" name="Ink 19">
-                <a:extLst>
-                  <a:ext uri="{FF2B5EF4-FFF2-40B4-BE49-F238E27FC236}">
-                    <a16:creationId xmlns:a16="http://schemas.microsoft.com/office/drawing/2014/main" id="{A047CCDF-AC55-4CA2-8CC2-5DEAB5DBDA79}"/>
-                  </a:ext>
-                </a:extLst>
-              </p:cNvPr>
-              <p:cNvPicPr/>
-              <p:nvPr/>
-            </p:nvPicPr>
-            <p:blipFill>
-              <a:blip r:embed="rId18"/>
-              <a:stretch>
-                <a:fillRect/>
-              </a:stretch>
-            </p:blipFill>
-            <p:spPr>
-              <a:xfrm>
-                <a:off x="7041960" y="2331216"/>
-                <a:ext cx="180000" cy="360000"/>
-              </a:xfrm>
-              <a:prstGeom prst="rect">
-                <a:avLst/>
-              </a:prstGeom>
-            </p:spPr>
-          </p:pic>
-        </mc:Fallback>
-      </mc:AlternateContent>
-      <mc:AlternateContent xmlns:mc="http://schemas.openxmlformats.org/markup-compatibility/2006" xmlns:p14="http://schemas.microsoft.com/office/powerpoint/2010/main">
-        <mc:Choice Requires="p14">
-          <p:contentPart p14:bwMode="auto" r:id="rId26">
-            <p14:nvContentPartPr>
-              <p14:cNvPr id="21" name="Ink 20">
-                <a:extLst>
-                  <a:ext uri="{FF2B5EF4-FFF2-40B4-BE49-F238E27FC236}">
-                    <a16:creationId xmlns:a16="http://schemas.microsoft.com/office/drawing/2014/main" id="{5C113320-A213-4066-90BD-CDA6F321CA37}"/>
-                  </a:ext>
-                </a:extLst>
-              </p14:cNvPr>
-              <p14:cNvContentPartPr/>
-              <p14:nvPr/>
-            </p14:nvContentPartPr>
-            <p14:xfrm>
-              <a:off x="6644160" y="4559256"/>
-              <a:ext cx="360" cy="360"/>
-            </p14:xfrm>
-          </p:contentPart>
-        </mc:Choice>
-        <mc:Fallback xmlns="">
-          <p:pic>
-            <p:nvPicPr>
-              <p:cNvPr id="21" name="Ink 20">
-                <a:extLst>
-                  <a:ext uri="{FF2B5EF4-FFF2-40B4-BE49-F238E27FC236}">
-                    <a16:creationId xmlns:a16="http://schemas.microsoft.com/office/drawing/2014/main" id="{5C113320-A213-4066-90BD-CDA6F321CA37}"/>
-                  </a:ext>
-                </a:extLst>
-              </p:cNvPr>
-              <p:cNvPicPr/>
-              <p:nvPr/>
-            </p:nvPicPr>
-            <p:blipFill>
-              <a:blip r:embed="rId18"/>
-              <a:stretch>
-                <a:fillRect/>
-              </a:stretch>
-            </p:blipFill>
-            <p:spPr>
-              <a:xfrm>
-                <a:off x="6554160" y="4379256"/>
-                <a:ext cx="180000" cy="360000"/>
-              </a:xfrm>
-              <a:prstGeom prst="rect">
-                <a:avLst/>
-              </a:prstGeom>
-            </p:spPr>
-          </p:pic>
-        </mc:Fallback>
-      </mc:AlternateContent>
-      <mc:AlternateContent xmlns:mc="http://schemas.openxmlformats.org/markup-compatibility/2006" xmlns:p14="http://schemas.microsoft.com/office/powerpoint/2010/main">
-        <mc:Choice Requires="p14">
-          <p:contentPart p14:bwMode="auto" r:id="rId27">
-            <p14:nvContentPartPr>
               <p14:cNvPr id="22" name="Ink 21">
                 <a:extLst>
                   <a:ext uri="{FF2B5EF4-FFF2-40B4-BE49-F238E27FC236}">
@@ -5986,7 +4628,7 @@
       </mc:AlternateContent>
       <mc:AlternateContent xmlns:mc="http://schemas.openxmlformats.org/markup-compatibility/2006" xmlns:p14="http://schemas.microsoft.com/office/powerpoint/2010/main">
         <mc:Choice Requires="p14">
-          <p:contentPart p14:bwMode="auto" r:id="rId28">
+          <p:contentPart p14:bwMode="auto" r:id="rId19">
             <p14:nvContentPartPr>
               <p14:cNvPr id="23" name="Ink 22">
                 <a:extLst>
@@ -6037,160 +4679,7 @@
       </mc:AlternateContent>
       <mc:AlternateContent xmlns:mc="http://schemas.openxmlformats.org/markup-compatibility/2006" xmlns:p14="http://schemas.microsoft.com/office/powerpoint/2010/main">
         <mc:Choice Requires="p14">
-          <p:contentPart p14:bwMode="auto" r:id="rId29">
-            <p14:nvContentPartPr>
-              <p14:cNvPr id="24" name="Ink 23">
-                <a:extLst>
-                  <a:ext uri="{FF2B5EF4-FFF2-40B4-BE49-F238E27FC236}">
-                    <a16:creationId xmlns:a16="http://schemas.microsoft.com/office/drawing/2014/main" id="{362E2CCD-E783-4EB0-A449-D3A45EEDACA1}"/>
-                  </a:ext>
-                </a:extLst>
-              </p14:cNvPr>
-              <p14:cNvContentPartPr/>
-              <p14:nvPr/>
-            </p14:nvContentPartPr>
-            <p14:xfrm>
-              <a:off x="2047680" y="1023696"/>
-              <a:ext cx="360" cy="360"/>
-            </p14:xfrm>
-          </p:contentPart>
-        </mc:Choice>
-        <mc:Fallback xmlns="">
-          <p:pic>
-            <p:nvPicPr>
-              <p:cNvPr id="24" name="Ink 23">
-                <a:extLst>
-                  <a:ext uri="{FF2B5EF4-FFF2-40B4-BE49-F238E27FC236}">
-                    <a16:creationId xmlns:a16="http://schemas.microsoft.com/office/drawing/2014/main" id="{362E2CCD-E783-4EB0-A449-D3A45EEDACA1}"/>
-                  </a:ext>
-                </a:extLst>
-              </p:cNvPr>
-              <p:cNvPicPr/>
-              <p:nvPr/>
-            </p:nvPicPr>
-            <p:blipFill>
-              <a:blip r:embed="rId18"/>
-              <a:stretch>
-                <a:fillRect/>
-              </a:stretch>
-            </p:blipFill>
-            <p:spPr>
-              <a:xfrm>
-                <a:off x="1957680" y="843696"/>
-                <a:ext cx="180000" cy="360000"/>
-              </a:xfrm>
-              <a:prstGeom prst="rect">
-                <a:avLst/>
-              </a:prstGeom>
-            </p:spPr>
-          </p:pic>
-        </mc:Fallback>
-      </mc:AlternateContent>
-      <mc:AlternateContent xmlns:mc="http://schemas.openxmlformats.org/markup-compatibility/2006" xmlns:p14="http://schemas.microsoft.com/office/powerpoint/2010/main">
-        <mc:Choice Requires="p14">
-          <p:contentPart p14:bwMode="auto" r:id="rId30">
-            <p14:nvContentPartPr>
-              <p14:cNvPr id="25" name="Ink 24">
-                <a:extLst>
-                  <a:ext uri="{FF2B5EF4-FFF2-40B4-BE49-F238E27FC236}">
-                    <a16:creationId xmlns:a16="http://schemas.microsoft.com/office/drawing/2014/main" id="{3A6B9D4B-B599-4E13-8CD4-9AE1EA05DD38}"/>
-                  </a:ext>
-                </a:extLst>
-              </p14:cNvPr>
-              <p14:cNvContentPartPr/>
-              <p14:nvPr/>
-            </p14:nvContentPartPr>
-            <p14:xfrm>
-              <a:off x="2084400" y="1023696"/>
-              <a:ext cx="5040" cy="360"/>
-            </p14:xfrm>
-          </p:contentPart>
-        </mc:Choice>
-        <mc:Fallback xmlns="">
-          <p:pic>
-            <p:nvPicPr>
-              <p:cNvPr id="25" name="Ink 24">
-                <a:extLst>
-                  <a:ext uri="{FF2B5EF4-FFF2-40B4-BE49-F238E27FC236}">
-                    <a16:creationId xmlns:a16="http://schemas.microsoft.com/office/drawing/2014/main" id="{3A6B9D4B-B599-4E13-8CD4-9AE1EA05DD38}"/>
-                  </a:ext>
-                </a:extLst>
-              </p:cNvPr>
-              <p:cNvPicPr/>
-              <p:nvPr/>
-            </p:nvPicPr>
-            <p:blipFill>
-              <a:blip r:embed="rId21"/>
-              <a:stretch>
-                <a:fillRect/>
-              </a:stretch>
-            </p:blipFill>
-            <p:spPr>
-              <a:xfrm>
-                <a:off x="1994760" y="843696"/>
-                <a:ext cx="184680" cy="360000"/>
-              </a:xfrm>
-              <a:prstGeom prst="rect">
-                <a:avLst/>
-              </a:prstGeom>
-            </p:spPr>
-          </p:pic>
-        </mc:Fallback>
-      </mc:AlternateContent>
-      <mc:AlternateContent xmlns:mc="http://schemas.openxmlformats.org/markup-compatibility/2006" xmlns:p14="http://schemas.microsoft.com/office/powerpoint/2010/main">
-        <mc:Choice Requires="p14">
-          <p:contentPart p14:bwMode="auto" r:id="rId31">
-            <p14:nvContentPartPr>
-              <p14:cNvPr id="26" name="Ink 25">
-                <a:extLst>
-                  <a:ext uri="{FF2B5EF4-FFF2-40B4-BE49-F238E27FC236}">
-                    <a16:creationId xmlns:a16="http://schemas.microsoft.com/office/drawing/2014/main" id="{915EBC98-2995-4202-8847-0A06CF184801}"/>
-                  </a:ext>
-                </a:extLst>
-              </p14:cNvPr>
-              <p14:cNvContentPartPr/>
-              <p14:nvPr/>
-            </p14:nvContentPartPr>
-            <p14:xfrm>
-              <a:off x="1987200" y="1011456"/>
-              <a:ext cx="360" cy="360"/>
-            </p14:xfrm>
-          </p:contentPart>
-        </mc:Choice>
-        <mc:Fallback xmlns="">
-          <p:pic>
-            <p:nvPicPr>
-              <p:cNvPr id="26" name="Ink 25">
-                <a:extLst>
-                  <a:ext uri="{FF2B5EF4-FFF2-40B4-BE49-F238E27FC236}">
-                    <a16:creationId xmlns:a16="http://schemas.microsoft.com/office/drawing/2014/main" id="{915EBC98-2995-4202-8847-0A06CF184801}"/>
-                  </a:ext>
-                </a:extLst>
-              </p:cNvPr>
-              <p:cNvPicPr/>
-              <p:nvPr/>
-            </p:nvPicPr>
-            <p:blipFill>
-              <a:blip r:embed="rId18"/>
-              <a:stretch>
-                <a:fillRect/>
-              </a:stretch>
-            </p:blipFill>
-            <p:spPr>
-              <a:xfrm>
-                <a:off x="1897200" y="831816"/>
-                <a:ext cx="180000" cy="360000"/>
-              </a:xfrm>
-              <a:prstGeom prst="rect">
-                <a:avLst/>
-              </a:prstGeom>
-            </p:spPr>
-          </p:pic>
-        </mc:Fallback>
-      </mc:AlternateContent>
-      <mc:AlternateContent xmlns:mc="http://schemas.openxmlformats.org/markup-compatibility/2006" xmlns:p14="http://schemas.microsoft.com/office/powerpoint/2010/main">
-        <mc:Choice Requires="p14">
-          <p:contentPart p14:bwMode="auto" r:id="rId32">
+          <p:contentPart p14:bwMode="auto" r:id="rId20">
             <p14:nvContentPartPr>
               <p14:cNvPr id="27" name="Ink 26">
                 <a:extLst>
@@ -6341,6 +4830,37 @@
           </p:pic>
         </mc:Fallback>
       </mc:AlternateContent>
+      <p:pic>
+        <p:nvPicPr>
+          <p:cNvPr id="5" name="Picture 4">
+            <a:extLst>
+              <a:ext uri="{FF2B5EF4-FFF2-40B4-BE49-F238E27FC236}">
+                <a16:creationId xmlns:a16="http://schemas.microsoft.com/office/drawing/2014/main" id="{5BB2C2BD-1D75-A33A-71E0-B44218C3E73F}"/>
+              </a:ext>
+            </a:extLst>
+          </p:cNvPr>
+          <p:cNvPicPr>
+            <a:picLocks noChangeAspect="1"/>
+          </p:cNvPicPr>
+          <p:nvPr/>
+        </p:nvPicPr>
+        <p:blipFill>
+          <a:blip r:embed="rId37"/>
+          <a:stretch>
+            <a:fillRect/>
+          </a:stretch>
+        </p:blipFill>
+        <p:spPr>
+          <a:xfrm>
+            <a:off x="1031569" y="1825625"/>
+            <a:ext cx="4794861" cy="4081759"/>
+          </a:xfrm>
+          <a:prstGeom prst="rect">
+            <a:avLst/>
+          </a:prstGeom>
+          <a:noFill/>
+        </p:spPr>
+      </p:pic>
     </p:spTree>
     <p:extLst>
       <p:ext uri="{BB962C8B-B14F-4D97-AF65-F5344CB8AC3E}">
@@ -6425,7 +4945,7 @@
         <p:spPr>
           <a:xfrm>
             <a:off x="813816" y="1825625"/>
-            <a:ext cx="5181600" cy="4351338"/>
+            <a:ext cx="5181600" cy="3911498"/>
           </a:xfrm>
         </p:spPr>
         <p:txBody>
@@ -6490,7 +5010,12 @@
             <p:ph sz="half" idx="2"/>
           </p:nvPr>
         </p:nvSpPr>
-        <p:spPr/>
+        <p:spPr>
+          <a:xfrm>
+            <a:off x="6196586" y="1825625"/>
+            <a:ext cx="5181600" cy="4351338"/>
+          </a:xfrm>
+        </p:spPr>
         <p:txBody>
           <a:bodyPr>
             <a:normAutofit fontScale="85000" lnSpcReduction="20000"/>
@@ -6650,9 +5175,9 @@
             </a:pPr>
             <a:r>
               <a:rPr lang="en-US" sz="2200" dirty="0">
-                <a:hlinkClick r:id="rId2"/>
+                <a:hlinkClick r:id="rId3"/>
               </a:rPr>
-              <a:t>https://github.com/KodeXL/Cognos-Dashboard/blob/main/New_dashboard_Cognos.pdf</a:t>
+              <a:t>https://github.com/KodeXL/Cognos-Dashboard/blob/main/DataAnalystPresentation.pdf</a:t>
             </a:r>
             <a:endParaRPr lang="en-US" sz="2200" dirty="0"/>
           </a:p>
@@ -6672,7 +5197,7 @@
             </a:r>
             <a:r>
               <a:rPr lang="en-US" sz="2200" dirty="0">
-                <a:hlinkClick r:id="rId3"/>
+                <a:hlinkClick r:id="rId4"/>
               </a:rPr>
               <a:t>https://us3.ca.analytics.ibm.com/bi/?perspective=dashboard&amp;pathRef=.my_folders%2FNew%2Bdashboard&amp;action=view&amp;mode=dashboard&amp;subView=model000001913c1c3a1e_00000000</a:t>
             </a:r>
@@ -6701,7 +5226,7 @@
           <p:nvPr/>
         </p:nvPicPr>
         <p:blipFill>
-          <a:blip r:embed="rId4"/>
+          <a:blip r:embed="rId5"/>
           <a:stretch>
             <a:fillRect/>
           </a:stretch>
@@ -7010,7 +5535,7 @@
         <p:spPr>
           <a:xfrm>
             <a:off x="1552576" y="1407164"/>
-            <a:ext cx="8972549" cy="4934819"/>
+            <a:ext cx="8972549" cy="4846151"/>
           </a:xfrm>
         </p:spPr>
       </p:pic>
@@ -8142,210 +6667,6 @@
         <mc:Choice Requires="p14">
           <p:contentPart p14:bwMode="auto" r:id="rId3">
             <p14:nvContentPartPr>
-              <p14:cNvPr id="9" name="Ink 8">
-                <a:extLst>
-                  <a:ext uri="{FF2B5EF4-FFF2-40B4-BE49-F238E27FC236}">
-                    <a16:creationId xmlns:a16="http://schemas.microsoft.com/office/drawing/2014/main" id="{1A185CBD-ED91-4F24-BEB9-8E33AD8AC3B1}"/>
-                  </a:ext>
-                </a:extLst>
-              </p14:cNvPr>
-              <p14:cNvContentPartPr/>
-              <p14:nvPr/>
-            </p14:nvContentPartPr>
-            <p14:xfrm>
-              <a:off x="1889280" y="999312"/>
-              <a:ext cx="360" cy="360"/>
-            </p14:xfrm>
-          </p:contentPart>
-        </mc:Choice>
-        <mc:Fallback xmlns="">
-          <p:pic>
-            <p:nvPicPr>
-              <p:cNvPr id="9" name="Ink 8">
-                <a:extLst>
-                  <a:ext uri="{FF2B5EF4-FFF2-40B4-BE49-F238E27FC236}">
-                    <a16:creationId xmlns:a16="http://schemas.microsoft.com/office/drawing/2014/main" id="{1A185CBD-ED91-4F24-BEB9-8E33AD8AC3B1}"/>
-                  </a:ext>
-                </a:extLst>
-              </p:cNvPr>
-              <p:cNvPicPr/>
-              <p:nvPr/>
-            </p:nvPicPr>
-            <p:blipFill>
-              <a:blip r:embed="rId7"/>
-              <a:stretch>
-                <a:fillRect/>
-              </a:stretch>
-            </p:blipFill>
-            <p:spPr>
-              <a:xfrm>
-                <a:off x="1799280" y="819312"/>
-                <a:ext cx="180000" cy="360000"/>
-              </a:xfrm>
-              <a:prstGeom prst="rect">
-                <a:avLst/>
-              </a:prstGeom>
-            </p:spPr>
-          </p:pic>
-        </mc:Fallback>
-      </mc:AlternateContent>
-      <mc:AlternateContent xmlns:mc="http://schemas.openxmlformats.org/markup-compatibility/2006" xmlns:p14="http://schemas.microsoft.com/office/powerpoint/2010/main">
-        <mc:Choice Requires="p14">
-          <p:contentPart p14:bwMode="auto" r:id="rId8">
-            <p14:nvContentPartPr>
-              <p14:cNvPr id="10" name="Ink 9">
-                <a:extLst>
-                  <a:ext uri="{FF2B5EF4-FFF2-40B4-BE49-F238E27FC236}">
-                    <a16:creationId xmlns:a16="http://schemas.microsoft.com/office/drawing/2014/main" id="{032BD37A-4777-4658-98DC-561C88BBD6B5}"/>
-                  </a:ext>
-                </a:extLst>
-              </p14:cNvPr>
-              <p14:cNvContentPartPr/>
-              <p14:nvPr/>
-            </p14:nvContentPartPr>
-            <p14:xfrm>
-              <a:off x="2328120" y="962952"/>
-              <a:ext cx="360" cy="360"/>
-            </p14:xfrm>
-          </p:contentPart>
-        </mc:Choice>
-        <mc:Fallback xmlns="">
-          <p:pic>
-            <p:nvPicPr>
-              <p:cNvPr id="10" name="Ink 9">
-                <a:extLst>
-                  <a:ext uri="{FF2B5EF4-FFF2-40B4-BE49-F238E27FC236}">
-                    <a16:creationId xmlns:a16="http://schemas.microsoft.com/office/drawing/2014/main" id="{032BD37A-4777-4658-98DC-561C88BBD6B5}"/>
-                  </a:ext>
-                </a:extLst>
-              </p:cNvPr>
-              <p:cNvPicPr/>
-              <p:nvPr/>
-            </p:nvPicPr>
-            <p:blipFill>
-              <a:blip r:embed="rId7"/>
-              <a:stretch>
-                <a:fillRect/>
-              </a:stretch>
-            </p:blipFill>
-            <p:spPr>
-              <a:xfrm>
-                <a:off x="2238120" y="783312"/>
-                <a:ext cx="180000" cy="360000"/>
-              </a:xfrm>
-              <a:prstGeom prst="rect">
-                <a:avLst/>
-              </a:prstGeom>
-            </p:spPr>
-          </p:pic>
-        </mc:Fallback>
-      </mc:AlternateContent>
-      <mc:AlternateContent xmlns:mc="http://schemas.openxmlformats.org/markup-compatibility/2006" xmlns:p14="http://schemas.microsoft.com/office/powerpoint/2010/main">
-        <mc:Choice Requires="p14">
-          <p:contentPart p14:bwMode="auto" r:id="rId9">
-            <p14:nvContentPartPr>
-              <p14:cNvPr id="11" name="Ink 10">
-                <a:extLst>
-                  <a:ext uri="{FF2B5EF4-FFF2-40B4-BE49-F238E27FC236}">
-                    <a16:creationId xmlns:a16="http://schemas.microsoft.com/office/drawing/2014/main" id="{8D6F0DE4-0F5C-4DBC-980B-FA84561A37BD}"/>
-                  </a:ext>
-                </a:extLst>
-              </p14:cNvPr>
-              <p14:cNvContentPartPr/>
-              <p14:nvPr/>
-            </p14:nvContentPartPr>
-            <p14:xfrm>
-              <a:off x="2828160" y="926232"/>
-              <a:ext cx="360" cy="360"/>
-            </p14:xfrm>
-          </p:contentPart>
-        </mc:Choice>
-        <mc:Fallback xmlns="">
-          <p:pic>
-            <p:nvPicPr>
-              <p:cNvPr id="11" name="Ink 10">
-                <a:extLst>
-                  <a:ext uri="{FF2B5EF4-FFF2-40B4-BE49-F238E27FC236}">
-                    <a16:creationId xmlns:a16="http://schemas.microsoft.com/office/drawing/2014/main" id="{8D6F0DE4-0F5C-4DBC-980B-FA84561A37BD}"/>
-                  </a:ext>
-                </a:extLst>
-              </p:cNvPr>
-              <p:cNvPicPr/>
-              <p:nvPr/>
-            </p:nvPicPr>
-            <p:blipFill>
-              <a:blip r:embed="rId7"/>
-              <a:stretch>
-                <a:fillRect/>
-              </a:stretch>
-            </p:blipFill>
-            <p:spPr>
-              <a:xfrm>
-                <a:off x="2738160" y="746232"/>
-                <a:ext cx="180000" cy="360000"/>
-              </a:xfrm>
-              <a:prstGeom prst="rect">
-                <a:avLst/>
-              </a:prstGeom>
-            </p:spPr>
-          </p:pic>
-        </mc:Fallback>
-      </mc:AlternateContent>
-      <mc:AlternateContent xmlns:mc="http://schemas.openxmlformats.org/markup-compatibility/2006" xmlns:p14="http://schemas.microsoft.com/office/powerpoint/2010/main">
-        <mc:Choice Requires="p14">
-          <p:contentPart p14:bwMode="auto" r:id="rId10">
-            <p14:nvContentPartPr>
-              <p14:cNvPr id="12" name="Ink 11">
-                <a:extLst>
-                  <a:ext uri="{FF2B5EF4-FFF2-40B4-BE49-F238E27FC236}">
-                    <a16:creationId xmlns:a16="http://schemas.microsoft.com/office/drawing/2014/main" id="{24F830F4-CC15-48E6-AB15-04ED683CA04A}"/>
-                  </a:ext>
-                </a:extLst>
-              </p14:cNvPr>
-              <p14:cNvContentPartPr/>
-              <p14:nvPr/>
-            </p14:nvContentPartPr>
-            <p14:xfrm>
-              <a:off x="2828160" y="926232"/>
-              <a:ext cx="3240" cy="5040"/>
-            </p14:xfrm>
-          </p:contentPart>
-        </mc:Choice>
-        <mc:Fallback xmlns="">
-          <p:pic>
-            <p:nvPicPr>
-              <p:cNvPr id="12" name="Ink 11">
-                <a:extLst>
-                  <a:ext uri="{FF2B5EF4-FFF2-40B4-BE49-F238E27FC236}">
-                    <a16:creationId xmlns:a16="http://schemas.microsoft.com/office/drawing/2014/main" id="{24F830F4-CC15-48E6-AB15-04ED683CA04A}"/>
-                  </a:ext>
-                </a:extLst>
-              </p:cNvPr>
-              <p:cNvPicPr/>
-              <p:nvPr/>
-            </p:nvPicPr>
-            <p:blipFill>
-              <a:blip r:embed="rId11"/>
-              <a:stretch>
-                <a:fillRect/>
-              </a:stretch>
-            </p:blipFill>
-            <p:spPr>
-              <a:xfrm>
-                <a:off x="2738160" y="746232"/>
-                <a:ext cx="182880" cy="364680"/>
-              </a:xfrm>
-              <a:prstGeom prst="rect">
-                <a:avLst/>
-              </a:prstGeom>
-            </p:spPr>
-          </p:pic>
-        </mc:Fallback>
-      </mc:AlternateContent>
-      <mc:AlternateContent xmlns:mc="http://schemas.openxmlformats.org/markup-compatibility/2006" xmlns:p14="http://schemas.microsoft.com/office/powerpoint/2010/main">
-        <mc:Choice Requires="p14">
-          <p:contentPart p14:bwMode="auto" r:id="rId12">
-            <p14:nvContentPartPr>
               <p14:cNvPr id="13" name="Ink 12">
                 <a:extLst>
                   <a:ext uri="{FF2B5EF4-FFF2-40B4-BE49-F238E27FC236}">
@@ -8385,261 +6706,6 @@
               <a:xfrm>
                 <a:off x="-2199240" y="2489712"/>
                 <a:ext cx="199440" cy="360000"/>
-              </a:xfrm>
-              <a:prstGeom prst="rect">
-                <a:avLst/>
-              </a:prstGeom>
-            </p:spPr>
-          </p:pic>
-        </mc:Fallback>
-      </mc:AlternateContent>
-      <mc:AlternateContent xmlns:mc="http://schemas.openxmlformats.org/markup-compatibility/2006" xmlns:p14="http://schemas.microsoft.com/office/powerpoint/2010/main">
-        <mc:Choice Requires="p14">
-          <p:contentPart p14:bwMode="auto" r:id="rId14">
-            <p14:nvContentPartPr>
-              <p14:cNvPr id="14" name="Ink 13">
-                <a:extLst>
-                  <a:ext uri="{FF2B5EF4-FFF2-40B4-BE49-F238E27FC236}">
-                    <a16:creationId xmlns:a16="http://schemas.microsoft.com/office/drawing/2014/main" id="{97E9F6ED-ACEE-438F-A76C-C66263E59B33}"/>
-                  </a:ext>
-                </a:extLst>
-              </p14:cNvPr>
-              <p14:cNvContentPartPr/>
-              <p14:nvPr/>
-            </p14:nvContentPartPr>
-            <p14:xfrm>
-              <a:off x="7266240" y="2888952"/>
-              <a:ext cx="360" cy="360"/>
-            </p14:xfrm>
-          </p:contentPart>
-        </mc:Choice>
-        <mc:Fallback xmlns="">
-          <p:pic>
-            <p:nvPicPr>
-              <p:cNvPr id="14" name="Ink 13">
-                <a:extLst>
-                  <a:ext uri="{FF2B5EF4-FFF2-40B4-BE49-F238E27FC236}">
-                    <a16:creationId xmlns:a16="http://schemas.microsoft.com/office/drawing/2014/main" id="{97E9F6ED-ACEE-438F-A76C-C66263E59B33}"/>
-                  </a:ext>
-                </a:extLst>
-              </p:cNvPr>
-              <p:cNvPicPr/>
-              <p:nvPr/>
-            </p:nvPicPr>
-            <p:blipFill>
-              <a:blip r:embed="rId7"/>
-              <a:stretch>
-                <a:fillRect/>
-              </a:stretch>
-            </p:blipFill>
-            <p:spPr>
-              <a:xfrm>
-                <a:off x="7176240" y="2709312"/>
-                <a:ext cx="180000" cy="360000"/>
-              </a:xfrm>
-              <a:prstGeom prst="rect">
-                <a:avLst/>
-              </a:prstGeom>
-            </p:spPr>
-          </p:pic>
-        </mc:Fallback>
-      </mc:AlternateContent>
-      <mc:AlternateContent xmlns:mc="http://schemas.openxmlformats.org/markup-compatibility/2006" xmlns:p14="http://schemas.microsoft.com/office/powerpoint/2010/main">
-        <mc:Choice Requires="p14">
-          <p:contentPart p14:bwMode="auto" r:id="rId15">
-            <p14:nvContentPartPr>
-              <p14:cNvPr id="15" name="Ink 14">
-                <a:extLst>
-                  <a:ext uri="{FF2B5EF4-FFF2-40B4-BE49-F238E27FC236}">
-                    <a16:creationId xmlns:a16="http://schemas.microsoft.com/office/drawing/2014/main" id="{EA56CB11-8AE3-4EA0-B556-BBB572803B07}"/>
-                  </a:ext>
-                </a:extLst>
-              </p14:cNvPr>
-              <p14:cNvContentPartPr/>
-              <p14:nvPr/>
-            </p14:nvContentPartPr>
-            <p14:xfrm>
-              <a:off x="7266240" y="2888952"/>
-              <a:ext cx="360" cy="360"/>
-            </p14:xfrm>
-          </p:contentPart>
-        </mc:Choice>
-        <mc:Fallback xmlns="">
-          <p:pic>
-            <p:nvPicPr>
-              <p:cNvPr id="15" name="Ink 14">
-                <a:extLst>
-                  <a:ext uri="{FF2B5EF4-FFF2-40B4-BE49-F238E27FC236}">
-                    <a16:creationId xmlns:a16="http://schemas.microsoft.com/office/drawing/2014/main" id="{EA56CB11-8AE3-4EA0-B556-BBB572803B07}"/>
-                  </a:ext>
-                </a:extLst>
-              </p:cNvPr>
-              <p:cNvPicPr/>
-              <p:nvPr/>
-            </p:nvPicPr>
-            <p:blipFill>
-              <a:blip r:embed="rId7"/>
-              <a:stretch>
-                <a:fillRect/>
-              </a:stretch>
-            </p:blipFill>
-            <p:spPr>
-              <a:xfrm>
-                <a:off x="7176240" y="2709312"/>
-                <a:ext cx="180000" cy="360000"/>
-              </a:xfrm>
-              <a:prstGeom prst="rect">
-                <a:avLst/>
-              </a:prstGeom>
-            </p:spPr>
-          </p:pic>
-        </mc:Fallback>
-      </mc:AlternateContent>
-      <mc:AlternateContent xmlns:mc="http://schemas.openxmlformats.org/markup-compatibility/2006" xmlns:p14="http://schemas.microsoft.com/office/powerpoint/2010/main">
-        <mc:Choice Requires="p14">
-          <p:contentPart p14:bwMode="auto" r:id="rId16">
-            <p14:nvContentPartPr>
-              <p14:cNvPr id="16" name="Ink 15">
-                <a:extLst>
-                  <a:ext uri="{FF2B5EF4-FFF2-40B4-BE49-F238E27FC236}">
-                    <a16:creationId xmlns:a16="http://schemas.microsoft.com/office/drawing/2014/main" id="{78E27AEC-BDF9-49A4-A10A-6F5F64F01EEA}"/>
-                  </a:ext>
-                </a:extLst>
-              </p14:cNvPr>
-              <p14:cNvContentPartPr/>
-              <p14:nvPr/>
-            </p14:nvContentPartPr>
-            <p14:xfrm>
-              <a:off x="7266240" y="2888952"/>
-              <a:ext cx="360" cy="360"/>
-            </p14:xfrm>
-          </p:contentPart>
-        </mc:Choice>
-        <mc:Fallback xmlns="">
-          <p:pic>
-            <p:nvPicPr>
-              <p:cNvPr id="16" name="Ink 15">
-                <a:extLst>
-                  <a:ext uri="{FF2B5EF4-FFF2-40B4-BE49-F238E27FC236}">
-                    <a16:creationId xmlns:a16="http://schemas.microsoft.com/office/drawing/2014/main" id="{78E27AEC-BDF9-49A4-A10A-6F5F64F01EEA}"/>
-                  </a:ext>
-                </a:extLst>
-              </p:cNvPr>
-              <p:cNvPicPr/>
-              <p:nvPr/>
-            </p:nvPicPr>
-            <p:blipFill>
-              <a:blip r:embed="rId7"/>
-              <a:stretch>
-                <a:fillRect/>
-              </a:stretch>
-            </p:blipFill>
-            <p:spPr>
-              <a:xfrm>
-                <a:off x="7176240" y="2709312"/>
-                <a:ext cx="180000" cy="360000"/>
-              </a:xfrm>
-              <a:prstGeom prst="rect">
-                <a:avLst/>
-              </a:prstGeom>
-            </p:spPr>
-          </p:pic>
-        </mc:Fallback>
-      </mc:AlternateContent>
-      <mc:AlternateContent xmlns:mc="http://schemas.openxmlformats.org/markup-compatibility/2006" xmlns:p14="http://schemas.microsoft.com/office/powerpoint/2010/main">
-        <mc:Choice Requires="p14">
-          <p:contentPart p14:bwMode="auto" r:id="rId17">
-            <p14:nvContentPartPr>
-              <p14:cNvPr id="17" name="Ink 16">
-                <a:extLst>
-                  <a:ext uri="{FF2B5EF4-FFF2-40B4-BE49-F238E27FC236}">
-                    <a16:creationId xmlns:a16="http://schemas.microsoft.com/office/drawing/2014/main" id="{00D1CCCF-5EBB-4FB3-A293-78C28946220A}"/>
-                  </a:ext>
-                </a:extLst>
-              </p14:cNvPr>
-              <p14:cNvContentPartPr/>
-              <p14:nvPr/>
-            </p14:nvContentPartPr>
-            <p14:xfrm>
-              <a:off x="7266240" y="2888952"/>
-              <a:ext cx="360" cy="360"/>
-            </p14:xfrm>
-          </p:contentPart>
-        </mc:Choice>
-        <mc:Fallback xmlns="">
-          <p:pic>
-            <p:nvPicPr>
-              <p:cNvPr id="17" name="Ink 16">
-                <a:extLst>
-                  <a:ext uri="{FF2B5EF4-FFF2-40B4-BE49-F238E27FC236}">
-                    <a16:creationId xmlns:a16="http://schemas.microsoft.com/office/drawing/2014/main" id="{00D1CCCF-5EBB-4FB3-A293-78C28946220A}"/>
-                  </a:ext>
-                </a:extLst>
-              </p:cNvPr>
-              <p:cNvPicPr/>
-              <p:nvPr/>
-            </p:nvPicPr>
-            <p:blipFill>
-              <a:blip r:embed="rId7"/>
-              <a:stretch>
-                <a:fillRect/>
-              </a:stretch>
-            </p:blipFill>
-            <p:spPr>
-              <a:xfrm>
-                <a:off x="7176240" y="2709312"/>
-                <a:ext cx="180000" cy="360000"/>
-              </a:xfrm>
-              <a:prstGeom prst="rect">
-                <a:avLst/>
-              </a:prstGeom>
-            </p:spPr>
-          </p:pic>
-        </mc:Fallback>
-      </mc:AlternateContent>
-      <mc:AlternateContent xmlns:mc="http://schemas.openxmlformats.org/markup-compatibility/2006" xmlns:p14="http://schemas.microsoft.com/office/powerpoint/2010/main">
-        <mc:Choice Requires="p14">
-          <p:contentPart p14:bwMode="auto" r:id="rId18">
-            <p14:nvContentPartPr>
-              <p14:cNvPr id="18" name="Ink 17">
-                <a:extLst>
-                  <a:ext uri="{FF2B5EF4-FFF2-40B4-BE49-F238E27FC236}">
-                    <a16:creationId xmlns:a16="http://schemas.microsoft.com/office/drawing/2014/main" id="{0EC3AB97-946C-4D62-AEB0-E11D486AFBF0}"/>
-                  </a:ext>
-                </a:extLst>
-              </p14:cNvPr>
-              <p14:cNvContentPartPr/>
-              <p14:nvPr/>
-            </p14:nvContentPartPr>
-            <p14:xfrm>
-              <a:off x="6680880" y="2877072"/>
-              <a:ext cx="360" cy="360"/>
-            </p14:xfrm>
-          </p:contentPart>
-        </mc:Choice>
-        <mc:Fallback xmlns="">
-          <p:pic>
-            <p:nvPicPr>
-              <p:cNvPr id="18" name="Ink 17">
-                <a:extLst>
-                  <a:ext uri="{FF2B5EF4-FFF2-40B4-BE49-F238E27FC236}">
-                    <a16:creationId xmlns:a16="http://schemas.microsoft.com/office/drawing/2014/main" id="{0EC3AB97-946C-4D62-AEB0-E11D486AFBF0}"/>
-                  </a:ext>
-                </a:extLst>
-              </p:cNvPr>
-              <p:cNvPicPr/>
-              <p:nvPr/>
-            </p:nvPicPr>
-            <p:blipFill>
-              <a:blip r:embed="rId7"/>
-              <a:stretch>
-                <a:fillRect/>
-              </a:stretch>
-            </p:blipFill>
-            <p:spPr>
-              <a:xfrm>
-                <a:off x="6591240" y="2697072"/>
-                <a:ext cx="180000" cy="360000"/>
               </a:xfrm>
               <a:prstGeom prst="rect">
                 <a:avLst/>
@@ -10055,404 +8121,6 @@
               <a:rPr lang="en-US" dirty="0"/>
               <a:t>Next Year</a:t>
             </a:r>
-          </a:p>
-        </p:txBody>
-      </p:sp>
-      <p:sp>
-        <p:nvSpPr>
-          <p:cNvPr id="8" name="Content Placeholder 2">
-            <a:extLst>
-              <a:ext uri="{FF2B5EF4-FFF2-40B4-BE49-F238E27FC236}">
-                <a16:creationId xmlns:a16="http://schemas.microsoft.com/office/drawing/2014/main" id="{D13C2F43-A283-4FD4-9C0D-BFF93C50AC01}"/>
-              </a:ext>
-            </a:extLst>
-          </p:cNvPr>
-          <p:cNvSpPr txBox="1">
-            <a:spLocks/>
-          </p:cNvSpPr>
-          <p:nvPr/>
-        </p:nvSpPr>
-        <p:spPr>
-          <a:xfrm>
-            <a:off x="838199" y="2506661"/>
-            <a:ext cx="4614949" cy="3670301"/>
-          </a:xfrm>
-          <a:prstGeom prst="rect">
-            <a:avLst/>
-          </a:prstGeom>
-        </p:spPr>
-        <p:txBody>
-          <a:bodyPr vert="horz" lIns="91440" tIns="45720" rIns="91440" bIns="45720" rtlCol="0">
-            <a:normAutofit/>
-          </a:bodyPr>
-          <a:lstStyle>
-            <a:lvl1pPr marL="228600" indent="-228600" algn="l" defTabSz="914400" rtl="0" eaLnBrk="1" latinLnBrk="0" hangingPunct="1">
-              <a:lnSpc>
-                <a:spcPct val="90000"/>
-              </a:lnSpc>
-              <a:spcBef>
-                <a:spcPts val="1000"/>
-              </a:spcBef>
-              <a:buFont typeface="Arial"/>
-              <a:buChar char="•"/>
-              <a:defRPr sz="2800" kern="1200">
-                <a:solidFill>
-                  <a:srgbClr val="0070C0"/>
-                </a:solidFill>
-                <a:latin typeface="IBM Plex Mono Text" panose="020B0509050203000203" pitchFamily="49" charset="0"/>
-                <a:ea typeface="+mn-ea"/>
-                <a:cs typeface="+mn-cs"/>
-              </a:defRPr>
-            </a:lvl1pPr>
-            <a:lvl2pPr marL="685800" indent="-228600" algn="l" defTabSz="914400" rtl="0" eaLnBrk="1" latinLnBrk="0" hangingPunct="1">
-              <a:lnSpc>
-                <a:spcPct val="90000"/>
-              </a:lnSpc>
-              <a:spcBef>
-                <a:spcPts val="500"/>
-              </a:spcBef>
-              <a:buFont typeface="Arial"/>
-              <a:buChar char="•"/>
-              <a:defRPr sz="2400" kern="1200">
-                <a:solidFill>
-                  <a:srgbClr val="0070C0"/>
-                </a:solidFill>
-                <a:latin typeface="IBM Plex Mono Text" panose="020B0509050203000203" pitchFamily="49" charset="0"/>
-                <a:ea typeface="+mn-ea"/>
-                <a:cs typeface="+mn-cs"/>
-              </a:defRPr>
-            </a:lvl2pPr>
-            <a:lvl3pPr marL="1143000" indent="-228600" algn="l" defTabSz="914400" rtl="0" eaLnBrk="1" latinLnBrk="0" hangingPunct="1">
-              <a:lnSpc>
-                <a:spcPct val="90000"/>
-              </a:lnSpc>
-              <a:spcBef>
-                <a:spcPts val="500"/>
-              </a:spcBef>
-              <a:buFont typeface="Arial"/>
-              <a:buChar char="•"/>
-              <a:defRPr sz="2000" kern="1200">
-                <a:solidFill>
-                  <a:srgbClr val="0070C0"/>
-                </a:solidFill>
-                <a:latin typeface="IBM Plex Mono Text" panose="020B0509050203000203" pitchFamily="49" charset="0"/>
-                <a:ea typeface="+mn-ea"/>
-                <a:cs typeface="+mn-cs"/>
-              </a:defRPr>
-            </a:lvl3pPr>
-            <a:lvl4pPr marL="1600200" indent="-228600" algn="l" defTabSz="914400" rtl="0" eaLnBrk="1" latinLnBrk="0" hangingPunct="1">
-              <a:lnSpc>
-                <a:spcPct val="90000"/>
-              </a:lnSpc>
-              <a:spcBef>
-                <a:spcPts val="500"/>
-              </a:spcBef>
-              <a:buFont typeface="Arial"/>
-              <a:buChar char="•"/>
-              <a:defRPr sz="1800" kern="1200">
-                <a:solidFill>
-                  <a:srgbClr val="0070C0"/>
-                </a:solidFill>
-                <a:latin typeface="IBM Plex Mono Text" panose="020B0509050203000203" pitchFamily="49" charset="0"/>
-                <a:ea typeface="+mn-ea"/>
-                <a:cs typeface="+mn-cs"/>
-              </a:defRPr>
-            </a:lvl4pPr>
-            <a:lvl5pPr marL="2057400" indent="-228600" algn="l" defTabSz="914400" rtl="0" eaLnBrk="1" latinLnBrk="0" hangingPunct="1">
-              <a:lnSpc>
-                <a:spcPct val="90000"/>
-              </a:lnSpc>
-              <a:spcBef>
-                <a:spcPts val="500"/>
-              </a:spcBef>
-              <a:buFont typeface="Arial"/>
-              <a:buChar char="•"/>
-              <a:defRPr sz="1800" kern="1200">
-                <a:solidFill>
-                  <a:srgbClr val="0070C0"/>
-                </a:solidFill>
-                <a:latin typeface="IBM Plex Mono Text" panose="020B0509050203000203" pitchFamily="49" charset="0"/>
-                <a:ea typeface="+mn-ea"/>
-                <a:cs typeface="+mn-cs"/>
-              </a:defRPr>
-            </a:lvl5pPr>
-            <a:lvl6pPr marL="2514600" indent="-228600" algn="l" defTabSz="914400" rtl="0" eaLnBrk="1" latinLnBrk="0" hangingPunct="1">
-              <a:lnSpc>
-                <a:spcPct val="90000"/>
-              </a:lnSpc>
-              <a:spcBef>
-                <a:spcPts val="500"/>
-              </a:spcBef>
-              <a:buFont typeface="Arial"/>
-              <a:buChar char="•"/>
-              <a:defRPr sz="1800" kern="1200">
-                <a:solidFill>
-                  <a:schemeClr val="tx1"/>
-                </a:solidFill>
-                <a:latin typeface="+mn-lt"/>
-                <a:ea typeface="+mn-ea"/>
-                <a:cs typeface="+mn-cs"/>
-              </a:defRPr>
-            </a:lvl6pPr>
-            <a:lvl7pPr marL="2971800" indent="-228600" algn="l" defTabSz="914400" rtl="0" eaLnBrk="1" latinLnBrk="0" hangingPunct="1">
-              <a:lnSpc>
-                <a:spcPct val="90000"/>
-              </a:lnSpc>
-              <a:spcBef>
-                <a:spcPts val="500"/>
-              </a:spcBef>
-              <a:buFont typeface="Arial"/>
-              <a:buChar char="•"/>
-              <a:defRPr sz="1800" kern="1200">
-                <a:solidFill>
-                  <a:schemeClr val="tx1"/>
-                </a:solidFill>
-                <a:latin typeface="+mn-lt"/>
-                <a:ea typeface="+mn-ea"/>
-                <a:cs typeface="+mn-cs"/>
-              </a:defRPr>
-            </a:lvl7pPr>
-            <a:lvl8pPr marL="3429000" indent="-228600" algn="l" defTabSz="914400" rtl="0" eaLnBrk="1" latinLnBrk="0" hangingPunct="1">
-              <a:lnSpc>
-                <a:spcPct val="90000"/>
-              </a:lnSpc>
-              <a:spcBef>
-                <a:spcPts val="500"/>
-              </a:spcBef>
-              <a:buFont typeface="Arial"/>
-              <a:buChar char="•"/>
-              <a:defRPr sz="1800" kern="1200">
-                <a:solidFill>
-                  <a:schemeClr val="tx1"/>
-                </a:solidFill>
-                <a:latin typeface="+mn-lt"/>
-                <a:ea typeface="+mn-ea"/>
-                <a:cs typeface="+mn-cs"/>
-              </a:defRPr>
-            </a:lvl8pPr>
-            <a:lvl9pPr marL="3886200" indent="-228600" algn="l" defTabSz="914400" rtl="0" eaLnBrk="1" latinLnBrk="0" hangingPunct="1">
-              <a:lnSpc>
-                <a:spcPct val="90000"/>
-              </a:lnSpc>
-              <a:spcBef>
-                <a:spcPts val="500"/>
-              </a:spcBef>
-              <a:buFont typeface="Arial"/>
-              <a:buChar char="•"/>
-              <a:defRPr sz="1800" kern="1200">
-                <a:solidFill>
-                  <a:schemeClr val="tx1"/>
-                </a:solidFill>
-                <a:latin typeface="+mn-lt"/>
-                <a:ea typeface="+mn-ea"/>
-                <a:cs typeface="+mn-cs"/>
-              </a:defRPr>
-            </a:lvl9pPr>
-          </a:lstStyle>
-          <a:p>
-            <a:pPr marL="0" indent="0">
-              <a:buNone/>
-            </a:pPr>
-            <a:endParaRPr lang="en-US" sz="2200" dirty="0"/>
-          </a:p>
-        </p:txBody>
-      </p:sp>
-      <p:sp>
-        <p:nvSpPr>
-          <p:cNvPr id="10" name="Content Placeholder 2">
-            <a:extLst>
-              <a:ext uri="{FF2B5EF4-FFF2-40B4-BE49-F238E27FC236}">
-                <a16:creationId xmlns:a16="http://schemas.microsoft.com/office/drawing/2014/main" id="{AE706D50-7D14-4DB8-BE17-5497AA1715EE}"/>
-              </a:ext>
-            </a:extLst>
-          </p:cNvPr>
-          <p:cNvSpPr txBox="1">
-            <a:spLocks/>
-          </p:cNvSpPr>
-          <p:nvPr/>
-        </p:nvSpPr>
-        <p:spPr>
-          <a:xfrm>
-            <a:off x="6172200" y="2506661"/>
-            <a:ext cx="4614949" cy="3670301"/>
-          </a:xfrm>
-          <a:prstGeom prst="rect">
-            <a:avLst/>
-          </a:prstGeom>
-        </p:spPr>
-        <p:txBody>
-          <a:bodyPr vert="horz" lIns="91440" tIns="45720" rIns="91440" bIns="45720" rtlCol="0">
-            <a:normAutofit/>
-          </a:bodyPr>
-          <a:lstStyle>
-            <a:lvl1pPr marL="228600" indent="-228600" algn="l" defTabSz="914400" rtl="0" eaLnBrk="1" latinLnBrk="0" hangingPunct="1">
-              <a:lnSpc>
-                <a:spcPct val="90000"/>
-              </a:lnSpc>
-              <a:spcBef>
-                <a:spcPts val="1000"/>
-              </a:spcBef>
-              <a:buFont typeface="Arial"/>
-              <a:buChar char="•"/>
-              <a:defRPr sz="2800" kern="1200">
-                <a:solidFill>
-                  <a:srgbClr val="0070C0"/>
-                </a:solidFill>
-                <a:latin typeface="IBM Plex Mono Text" panose="020B0509050203000203" pitchFamily="49" charset="0"/>
-                <a:ea typeface="+mn-ea"/>
-                <a:cs typeface="+mn-cs"/>
-              </a:defRPr>
-            </a:lvl1pPr>
-            <a:lvl2pPr marL="685800" indent="-228600" algn="l" defTabSz="914400" rtl="0" eaLnBrk="1" latinLnBrk="0" hangingPunct="1">
-              <a:lnSpc>
-                <a:spcPct val="90000"/>
-              </a:lnSpc>
-              <a:spcBef>
-                <a:spcPts val="500"/>
-              </a:spcBef>
-              <a:buFont typeface="Arial"/>
-              <a:buChar char="•"/>
-              <a:defRPr sz="2400" kern="1200">
-                <a:solidFill>
-                  <a:srgbClr val="0070C0"/>
-                </a:solidFill>
-                <a:latin typeface="IBM Plex Mono Text" panose="020B0509050203000203" pitchFamily="49" charset="0"/>
-                <a:ea typeface="+mn-ea"/>
-                <a:cs typeface="+mn-cs"/>
-              </a:defRPr>
-            </a:lvl2pPr>
-            <a:lvl3pPr marL="1143000" indent="-228600" algn="l" defTabSz="914400" rtl="0" eaLnBrk="1" latinLnBrk="0" hangingPunct="1">
-              <a:lnSpc>
-                <a:spcPct val="90000"/>
-              </a:lnSpc>
-              <a:spcBef>
-                <a:spcPts val="500"/>
-              </a:spcBef>
-              <a:buFont typeface="Arial"/>
-              <a:buChar char="•"/>
-              <a:defRPr sz="2000" kern="1200">
-                <a:solidFill>
-                  <a:srgbClr val="0070C0"/>
-                </a:solidFill>
-                <a:latin typeface="IBM Plex Mono Text" panose="020B0509050203000203" pitchFamily="49" charset="0"/>
-                <a:ea typeface="+mn-ea"/>
-                <a:cs typeface="+mn-cs"/>
-              </a:defRPr>
-            </a:lvl3pPr>
-            <a:lvl4pPr marL="1600200" indent="-228600" algn="l" defTabSz="914400" rtl="0" eaLnBrk="1" latinLnBrk="0" hangingPunct="1">
-              <a:lnSpc>
-                <a:spcPct val="90000"/>
-              </a:lnSpc>
-              <a:spcBef>
-                <a:spcPts val="500"/>
-              </a:spcBef>
-              <a:buFont typeface="Arial"/>
-              <a:buChar char="•"/>
-              <a:defRPr sz="1800" kern="1200">
-                <a:solidFill>
-                  <a:srgbClr val="0070C0"/>
-                </a:solidFill>
-                <a:latin typeface="IBM Plex Mono Text" panose="020B0509050203000203" pitchFamily="49" charset="0"/>
-                <a:ea typeface="+mn-ea"/>
-                <a:cs typeface="+mn-cs"/>
-              </a:defRPr>
-            </a:lvl4pPr>
-            <a:lvl5pPr marL="2057400" indent="-228600" algn="l" defTabSz="914400" rtl="0" eaLnBrk="1" latinLnBrk="0" hangingPunct="1">
-              <a:lnSpc>
-                <a:spcPct val="90000"/>
-              </a:lnSpc>
-              <a:spcBef>
-                <a:spcPts val="500"/>
-              </a:spcBef>
-              <a:buFont typeface="Arial"/>
-              <a:buChar char="•"/>
-              <a:defRPr sz="1800" kern="1200">
-                <a:solidFill>
-                  <a:srgbClr val="0070C0"/>
-                </a:solidFill>
-                <a:latin typeface="IBM Plex Mono Text" panose="020B0509050203000203" pitchFamily="49" charset="0"/>
-                <a:ea typeface="+mn-ea"/>
-                <a:cs typeface="+mn-cs"/>
-              </a:defRPr>
-            </a:lvl5pPr>
-            <a:lvl6pPr marL="2514600" indent="-228600" algn="l" defTabSz="914400" rtl="0" eaLnBrk="1" latinLnBrk="0" hangingPunct="1">
-              <a:lnSpc>
-                <a:spcPct val="90000"/>
-              </a:lnSpc>
-              <a:spcBef>
-                <a:spcPts val="500"/>
-              </a:spcBef>
-              <a:buFont typeface="Arial"/>
-              <a:buChar char="•"/>
-              <a:defRPr sz="1800" kern="1200">
-                <a:solidFill>
-                  <a:schemeClr val="tx1"/>
-                </a:solidFill>
-                <a:latin typeface="+mn-lt"/>
-                <a:ea typeface="+mn-ea"/>
-                <a:cs typeface="+mn-cs"/>
-              </a:defRPr>
-            </a:lvl6pPr>
-            <a:lvl7pPr marL="2971800" indent="-228600" algn="l" defTabSz="914400" rtl="0" eaLnBrk="1" latinLnBrk="0" hangingPunct="1">
-              <a:lnSpc>
-                <a:spcPct val="90000"/>
-              </a:lnSpc>
-              <a:spcBef>
-                <a:spcPts val="500"/>
-              </a:spcBef>
-              <a:buFont typeface="Arial"/>
-              <a:buChar char="•"/>
-              <a:defRPr sz="1800" kern="1200">
-                <a:solidFill>
-                  <a:schemeClr val="tx1"/>
-                </a:solidFill>
-                <a:latin typeface="+mn-lt"/>
-                <a:ea typeface="+mn-ea"/>
-                <a:cs typeface="+mn-cs"/>
-              </a:defRPr>
-            </a:lvl7pPr>
-            <a:lvl8pPr marL="3429000" indent="-228600" algn="l" defTabSz="914400" rtl="0" eaLnBrk="1" latinLnBrk="0" hangingPunct="1">
-              <a:lnSpc>
-                <a:spcPct val="90000"/>
-              </a:lnSpc>
-              <a:spcBef>
-                <a:spcPts val="500"/>
-              </a:spcBef>
-              <a:buFont typeface="Arial"/>
-              <a:buChar char="•"/>
-              <a:defRPr sz="1800" kern="1200">
-                <a:solidFill>
-                  <a:schemeClr val="tx1"/>
-                </a:solidFill>
-                <a:latin typeface="+mn-lt"/>
-                <a:ea typeface="+mn-ea"/>
-                <a:cs typeface="+mn-cs"/>
-              </a:defRPr>
-            </a:lvl8pPr>
-            <a:lvl9pPr marL="3886200" indent="-228600" algn="l" defTabSz="914400" rtl="0" eaLnBrk="1" latinLnBrk="0" hangingPunct="1">
-              <a:lnSpc>
-                <a:spcPct val="90000"/>
-              </a:lnSpc>
-              <a:spcBef>
-                <a:spcPts val="500"/>
-              </a:spcBef>
-              <a:buFont typeface="Arial"/>
-              <a:buChar char="•"/>
-              <a:defRPr sz="1800" kern="1200">
-                <a:solidFill>
-                  <a:schemeClr val="tx1"/>
-                </a:solidFill>
-                <a:latin typeface="+mn-lt"/>
-                <a:ea typeface="+mn-ea"/>
-                <a:cs typeface="+mn-cs"/>
-              </a:defRPr>
-            </a:lvl9pPr>
-          </a:lstStyle>
-          <a:p>
-            <a:pPr marL="0" indent="0">
-              <a:buNone/>
-            </a:pPr>
-            <a:endParaRPr lang="en-US" sz="2200" dirty="0"/>
           </a:p>
         </p:txBody>
       </p:sp>
@@ -11025,7 +8693,317 @@
 </a:theme>
 </file>
 
+<file path=ppt/theme/theme3.xml><?xml version="1.0" encoding="utf-8"?>
+<a:theme xmlns:a="http://schemas.openxmlformats.org/drawingml/2006/main" name="Office Theme">
+  <a:themeElements>
+    <a:clrScheme name="Office">
+      <a:dk1>
+        <a:sysClr val="windowText" lastClr="000000"/>
+      </a:dk1>
+      <a:lt1>
+        <a:sysClr val="window" lastClr="FFFFFF"/>
+      </a:lt1>
+      <a:dk2>
+        <a:srgbClr val="44546A"/>
+      </a:dk2>
+      <a:lt2>
+        <a:srgbClr val="E7E6E6"/>
+      </a:lt2>
+      <a:accent1>
+        <a:srgbClr val="4472C4"/>
+      </a:accent1>
+      <a:accent2>
+        <a:srgbClr val="ED7D31"/>
+      </a:accent2>
+      <a:accent3>
+        <a:srgbClr val="A5A5A5"/>
+      </a:accent3>
+      <a:accent4>
+        <a:srgbClr val="FFC000"/>
+      </a:accent4>
+      <a:accent5>
+        <a:srgbClr val="5B9BD5"/>
+      </a:accent5>
+      <a:accent6>
+        <a:srgbClr val="70AD47"/>
+      </a:accent6>
+      <a:hlink>
+        <a:srgbClr val="0563C1"/>
+      </a:hlink>
+      <a:folHlink>
+        <a:srgbClr val="954F72"/>
+      </a:folHlink>
+    </a:clrScheme>
+    <a:fontScheme name="Office">
+      <a:majorFont>
+        <a:latin typeface="Calibri Light" panose="020F0302020204030204"/>
+        <a:ea typeface=""/>
+        <a:cs typeface=""/>
+        <a:font script="Jpan" typeface="游ゴシック Light"/>
+        <a:font script="Hang" typeface="맑은 고딕"/>
+        <a:font script="Hans" typeface="等线 Light"/>
+        <a:font script="Hant" typeface="新細明體"/>
+        <a:font script="Arab" typeface="Times New Roman"/>
+        <a:font script="Hebr" typeface="Times New Roman"/>
+        <a:font script="Thai" typeface="Angsana New"/>
+        <a:font script="Ethi" typeface="Nyala"/>
+        <a:font script="Beng" typeface="Vrinda"/>
+        <a:font script="Gujr" typeface="Shruti"/>
+        <a:font script="Khmr" typeface="MoolBoran"/>
+        <a:font script="Knda" typeface="Tunga"/>
+        <a:font script="Guru" typeface="Raavi"/>
+        <a:font script="Cans" typeface="Euphemia"/>
+        <a:font script="Cher" typeface="Plantagenet Cherokee"/>
+        <a:font script="Yiii" typeface="Microsoft Yi Baiti"/>
+        <a:font script="Tibt" typeface="Microsoft Himalaya"/>
+        <a:font script="Thaa" typeface="MV Boli"/>
+        <a:font script="Deva" typeface="Mangal"/>
+        <a:font script="Telu" typeface="Gautami"/>
+        <a:font script="Taml" typeface="Latha"/>
+        <a:font script="Syrc" typeface="Estrangelo Edessa"/>
+        <a:font script="Orya" typeface="Kalinga"/>
+        <a:font script="Mlym" typeface="Kartika"/>
+        <a:font script="Laoo" typeface="DokChampa"/>
+        <a:font script="Sinh" typeface="Iskoola Pota"/>
+        <a:font script="Mong" typeface="Mongolian Baiti"/>
+        <a:font script="Viet" typeface="Times New Roman"/>
+        <a:font script="Uigh" typeface="Microsoft Uighur"/>
+        <a:font script="Geor" typeface="Sylfaen"/>
+        <a:font script="Armn" typeface="Arial"/>
+        <a:font script="Bugi" typeface="Leelawadee UI"/>
+        <a:font script="Bopo" typeface="Microsoft JhengHei"/>
+        <a:font script="Java" typeface="Javanese Text"/>
+        <a:font script="Lisu" typeface="Segoe UI"/>
+        <a:font script="Mymr" typeface="Myanmar Text"/>
+        <a:font script="Nkoo" typeface="Ebrima"/>
+        <a:font script="Olck" typeface="Nirmala UI"/>
+        <a:font script="Osma" typeface="Ebrima"/>
+        <a:font script="Phag" typeface="Phagspa"/>
+        <a:font script="Syrn" typeface="Estrangelo Edessa"/>
+        <a:font script="Syrj" typeface="Estrangelo Edessa"/>
+        <a:font script="Syre" typeface="Estrangelo Edessa"/>
+        <a:font script="Sora" typeface="Nirmala UI"/>
+        <a:font script="Tale" typeface="Microsoft Tai Le"/>
+        <a:font script="Talu" typeface="Microsoft New Tai Lue"/>
+        <a:font script="Tfng" typeface="Ebrima"/>
+      </a:majorFont>
+      <a:minorFont>
+        <a:latin typeface="Calibri" panose="020F0502020204030204"/>
+        <a:ea typeface=""/>
+        <a:cs typeface=""/>
+        <a:font script="Jpan" typeface="游ゴシック"/>
+        <a:font script="Hang" typeface="맑은 고딕"/>
+        <a:font script="Hans" typeface="等线"/>
+        <a:font script="Hant" typeface="新細明體"/>
+        <a:font script="Arab" typeface="Arial"/>
+        <a:font script="Hebr" typeface="Arial"/>
+        <a:font script="Thai" typeface="Cordia New"/>
+        <a:font script="Ethi" typeface="Nyala"/>
+        <a:font script="Beng" typeface="Vrinda"/>
+        <a:font script="Gujr" typeface="Shruti"/>
+        <a:font script="Khmr" typeface="DaunPenh"/>
+        <a:font script="Knda" typeface="Tunga"/>
+        <a:font script="Guru" typeface="Raavi"/>
+        <a:font script="Cans" typeface="Euphemia"/>
+        <a:font script="Cher" typeface="Plantagenet Cherokee"/>
+        <a:font script="Yiii" typeface="Microsoft Yi Baiti"/>
+        <a:font script="Tibt" typeface="Microsoft Himalaya"/>
+        <a:font script="Thaa" typeface="MV Boli"/>
+        <a:font script="Deva" typeface="Mangal"/>
+        <a:font script="Telu" typeface="Gautami"/>
+        <a:font script="Taml" typeface="Latha"/>
+        <a:font script="Syrc" typeface="Estrangelo Edessa"/>
+        <a:font script="Orya" typeface="Kalinga"/>
+        <a:font script="Mlym" typeface="Kartika"/>
+        <a:font script="Laoo" typeface="DokChampa"/>
+        <a:font script="Sinh" typeface="Iskoola Pota"/>
+        <a:font script="Mong" typeface="Mongolian Baiti"/>
+        <a:font script="Viet" typeface="Arial"/>
+        <a:font script="Uigh" typeface="Microsoft Uighur"/>
+        <a:font script="Geor" typeface="Sylfaen"/>
+        <a:font script="Armn" typeface="Arial"/>
+        <a:font script="Bugi" typeface="Leelawadee UI"/>
+        <a:font script="Bopo" typeface="Microsoft JhengHei"/>
+        <a:font script="Java" typeface="Javanese Text"/>
+        <a:font script="Lisu" typeface="Segoe UI"/>
+        <a:font script="Mymr" typeface="Myanmar Text"/>
+        <a:font script="Nkoo" typeface="Ebrima"/>
+        <a:font script="Olck" typeface="Nirmala UI"/>
+        <a:font script="Osma" typeface="Ebrima"/>
+        <a:font script="Phag" typeface="Phagspa"/>
+        <a:font script="Syrn" typeface="Estrangelo Edessa"/>
+        <a:font script="Syrj" typeface="Estrangelo Edessa"/>
+        <a:font script="Syre" typeface="Estrangelo Edessa"/>
+        <a:font script="Sora" typeface="Nirmala UI"/>
+        <a:font script="Tale" typeface="Microsoft Tai Le"/>
+        <a:font script="Talu" typeface="Microsoft New Tai Lue"/>
+        <a:font script="Tfng" typeface="Ebrima"/>
+      </a:minorFont>
+    </a:fontScheme>
+    <a:fmtScheme name="Office">
+      <a:fillStyleLst>
+        <a:solidFill>
+          <a:schemeClr val="phClr"/>
+        </a:solidFill>
+        <a:gradFill rotWithShape="1">
+          <a:gsLst>
+            <a:gs pos="0">
+              <a:schemeClr val="phClr">
+                <a:lumMod val="110000"/>
+                <a:satMod val="105000"/>
+                <a:tint val="67000"/>
+              </a:schemeClr>
+            </a:gs>
+            <a:gs pos="50000">
+              <a:schemeClr val="phClr">
+                <a:lumMod val="105000"/>
+                <a:satMod val="103000"/>
+                <a:tint val="73000"/>
+              </a:schemeClr>
+            </a:gs>
+            <a:gs pos="100000">
+              <a:schemeClr val="phClr">
+                <a:lumMod val="105000"/>
+                <a:satMod val="109000"/>
+                <a:tint val="81000"/>
+              </a:schemeClr>
+            </a:gs>
+          </a:gsLst>
+          <a:lin ang="5400000" scaled="0"/>
+        </a:gradFill>
+        <a:gradFill rotWithShape="1">
+          <a:gsLst>
+            <a:gs pos="0">
+              <a:schemeClr val="phClr">
+                <a:satMod val="103000"/>
+                <a:lumMod val="102000"/>
+                <a:tint val="94000"/>
+              </a:schemeClr>
+            </a:gs>
+            <a:gs pos="50000">
+              <a:schemeClr val="phClr">
+                <a:satMod val="110000"/>
+                <a:lumMod val="100000"/>
+                <a:shade val="100000"/>
+              </a:schemeClr>
+            </a:gs>
+            <a:gs pos="100000">
+              <a:schemeClr val="phClr">
+                <a:lumMod val="99000"/>
+                <a:satMod val="120000"/>
+                <a:shade val="78000"/>
+              </a:schemeClr>
+            </a:gs>
+          </a:gsLst>
+          <a:lin ang="5400000" scaled="0"/>
+        </a:gradFill>
+      </a:fillStyleLst>
+      <a:lnStyleLst>
+        <a:ln w="6350" cap="flat" cmpd="sng" algn="ctr">
+          <a:solidFill>
+            <a:schemeClr val="phClr"/>
+          </a:solidFill>
+          <a:prstDash val="solid"/>
+          <a:miter lim="800000"/>
+        </a:ln>
+        <a:ln w="12700" cap="flat" cmpd="sng" algn="ctr">
+          <a:solidFill>
+            <a:schemeClr val="phClr"/>
+          </a:solidFill>
+          <a:prstDash val="solid"/>
+          <a:miter lim="800000"/>
+        </a:ln>
+        <a:ln w="19050" cap="flat" cmpd="sng" algn="ctr">
+          <a:solidFill>
+            <a:schemeClr val="phClr"/>
+          </a:solidFill>
+          <a:prstDash val="solid"/>
+          <a:miter lim="800000"/>
+        </a:ln>
+      </a:lnStyleLst>
+      <a:effectStyleLst>
+        <a:effectStyle>
+          <a:effectLst/>
+        </a:effectStyle>
+        <a:effectStyle>
+          <a:effectLst/>
+        </a:effectStyle>
+        <a:effectStyle>
+          <a:effectLst>
+            <a:outerShdw blurRad="57150" dist="19050" dir="5400000" algn="ctr" rotWithShape="0">
+              <a:srgbClr val="000000">
+                <a:alpha val="63000"/>
+              </a:srgbClr>
+            </a:outerShdw>
+          </a:effectLst>
+        </a:effectStyle>
+      </a:effectStyleLst>
+      <a:bgFillStyleLst>
+        <a:solidFill>
+          <a:schemeClr val="phClr"/>
+        </a:solidFill>
+        <a:solidFill>
+          <a:schemeClr val="phClr">
+            <a:tint val="95000"/>
+            <a:satMod val="170000"/>
+          </a:schemeClr>
+        </a:solidFill>
+        <a:gradFill rotWithShape="1">
+          <a:gsLst>
+            <a:gs pos="0">
+              <a:schemeClr val="phClr">
+                <a:tint val="93000"/>
+                <a:satMod val="150000"/>
+                <a:shade val="98000"/>
+                <a:lumMod val="102000"/>
+              </a:schemeClr>
+            </a:gs>
+            <a:gs pos="50000">
+              <a:schemeClr val="phClr">
+                <a:tint val="98000"/>
+                <a:satMod val="130000"/>
+                <a:shade val="90000"/>
+                <a:lumMod val="103000"/>
+              </a:schemeClr>
+            </a:gs>
+            <a:gs pos="100000">
+              <a:schemeClr val="phClr">
+                <a:shade val="63000"/>
+                <a:satMod val="120000"/>
+              </a:schemeClr>
+            </a:gs>
+          </a:gsLst>
+          <a:lin ang="5400000" scaled="0"/>
+        </a:gradFill>
+      </a:bgFillStyleLst>
+    </a:fmtScheme>
+  </a:themeElements>
+  <a:objectDefaults/>
+  <a:extraClrSchemeLst/>
+  <a:extLst>
+    <a:ext uri="{05A4C25C-085E-4340-85A3-A5531E510DB2}">
+      <thm15:themeFamily xmlns:thm15="http://schemas.microsoft.com/office/thememl/2012/main" name="Office Theme" id="{62F939B6-93AF-4DB8-9C6B-D6C7DFDC589F}" vid="{4A3C46E8-61CC-4603-A589-7422A47A8E4A}"/>
+    </a:ext>
+  </a:extLst>
+</a:theme>
+</file>
+
 <file path=customXml/item1.xml><?xml version="1.0" encoding="utf-8"?>
+<?mso-contentType ?>
+<FormTemplates xmlns="http://schemas.microsoft.com/sharepoint/v3/contenttype/forms">
+  <Display>DocumentLibraryForm</Display>
+  <Edit>DocumentLibraryForm</Edit>
+  <New>DocumentLibraryForm</New>
+</FormTemplates>
+</file>
+
+<file path=customXml/item2.xml><?xml version="1.0" encoding="utf-8"?>
+<p:properties xmlns:p="http://schemas.microsoft.com/office/2006/metadata/properties" xmlns:xsi="http://www.w3.org/2001/XMLSchema-instance" xmlns:pc="http://schemas.microsoft.com/office/infopath/2007/PartnerControls">
+  <documentManagement/>
+</p:properties>
+</file>
+
+<file path=customXml/item3.xml><?xml version="1.0" encoding="utf-8"?>
 <ct:contentTypeSchema xmlns:ct="http://schemas.microsoft.com/office/2006/metadata/contentType" xmlns:ma="http://schemas.microsoft.com/office/2006/metadata/properties/metaAttributes" ct:_="" ma:_="" ma:contentTypeName="Document" ma:contentTypeID="0x010100EECD86F56755A646AC8AFCBCBD967F21" ma:contentTypeVersion="11" ma:contentTypeDescription="Create a new document." ma:contentTypeScope="" ma:versionID="4bc1015ece1c23b1ef2f55a62f11494f">
   <xsd:schema xmlns:xsd="http://www.w3.org/2001/XMLSchema" xmlns:xs="http://www.w3.org/2001/XMLSchema" xmlns:p="http://schemas.microsoft.com/office/2006/metadata/properties" xmlns:ns2="155be751-a274-42e8-93fb-f39d3b9bccc8" xmlns:ns3="f80a141d-92ca-4d3d-9308-f7e7b1d44ce8" targetNamespace="http://schemas.microsoft.com/office/2006/metadata/properties" ma:root="true" ma:fieldsID="efbf6837a43ed91190e40f849f23a130" ns2:_="" ns3:_="">
     <xsd:import namespace="155be751-a274-42e8-93fb-f39d3b9bccc8"/>
@@ -11236,22 +9214,32 @@
 </ct:contentTypeSchema>
 </file>
 
-<file path=customXml/item2.xml><?xml version="1.0" encoding="utf-8"?>
-<?mso-contentType ?>
-<FormTemplates xmlns="http://schemas.microsoft.com/sharepoint/v3/contenttype/forms">
-  <Display>DocumentLibraryForm</Display>
-  <Edit>DocumentLibraryForm</Edit>
-  <New>DocumentLibraryForm</New>
-</FormTemplates>
+<file path=customXml/itemProps1.xml><?xml version="1.0" encoding="utf-8"?>
+<ds:datastoreItem xmlns:ds="http://schemas.openxmlformats.org/officeDocument/2006/customXml" ds:itemID="{7EFDA260-DDA0-422C-B7AE-778F653FBB36}">
+  <ds:schemaRefs>
+    <ds:schemaRef ds:uri="http://schemas.microsoft.com/sharepoint/v3/contenttype/forms"/>
+  </ds:schemaRefs>
+</ds:datastoreItem>
 </file>
 
-<file path=customXml/item3.xml><?xml version="1.0" encoding="utf-8"?>
-<p:properties xmlns:p="http://schemas.microsoft.com/office/2006/metadata/properties" xmlns:xsi="http://www.w3.org/2001/XMLSchema-instance" xmlns:pc="http://schemas.microsoft.com/office/infopath/2007/PartnerControls">
-  <documentManagement/>
-</p:properties>
+<file path=customXml/itemProps2.xml><?xml version="1.0" encoding="utf-8"?>
+<ds:datastoreItem xmlns:ds="http://schemas.openxmlformats.org/officeDocument/2006/customXml" ds:itemID="{54DA07C5-A406-4A0D-B3E6-3856C94AC7F3}">
+  <ds:schemaRefs>
+    <ds:schemaRef ds:uri="http://purl.org/dc/elements/1.1/"/>
+    <ds:schemaRef ds:uri="http://schemas.microsoft.com/office/2006/metadata/properties"/>
+    <ds:schemaRef ds:uri="http://schemas.microsoft.com/office/infopath/2007/PartnerControls"/>
+    <ds:schemaRef ds:uri="http://purl.org/dc/terms/"/>
+    <ds:schemaRef ds:uri="f80a141d-92ca-4d3d-9308-f7e7b1d44ce8"/>
+    <ds:schemaRef ds:uri="http://purl.org/dc/dcmitype/"/>
+    <ds:schemaRef ds:uri="http://schemas.microsoft.com/office/2006/documentManagement/types"/>
+    <ds:schemaRef ds:uri="155be751-a274-42e8-93fb-f39d3b9bccc8"/>
+    <ds:schemaRef ds:uri="http://schemas.openxmlformats.org/package/2006/metadata/core-properties"/>
+    <ds:schemaRef ds:uri="http://www.w3.org/XML/1998/namespace"/>
+  </ds:schemaRefs>
+</ds:datastoreItem>
 </file>
 
-<file path=customXml/itemProps1.xml><?xml version="1.0" encoding="utf-8"?>
+<file path=customXml/itemProps3.xml><?xml version="1.0" encoding="utf-8"?>
 <ds:datastoreItem xmlns:ds="http://schemas.openxmlformats.org/officeDocument/2006/customXml" ds:itemID="{887AE8FE-83F0-42D0-BB5E-14AD3FB1DE17}">
   <ds:schemaRefs>
     <ds:schemaRef ds:uri="http://schemas.microsoft.com/office/2006/metadata/contentType"/>
@@ -11268,29 +9256,4 @@
     <ds:schemaRef ds:uri="http://schemas.microsoft.com/internal/obd"/>
   </ds:schemaRefs>
 </ds:datastoreItem>
-</file>
-
-<file path=customXml/itemProps2.xml><?xml version="1.0" encoding="utf-8"?>
-<ds:datastoreItem xmlns:ds="http://schemas.openxmlformats.org/officeDocument/2006/customXml" ds:itemID="{7EFDA260-DDA0-422C-B7AE-778F653FBB36}">
-  <ds:schemaRefs>
-    <ds:schemaRef ds:uri="http://schemas.microsoft.com/sharepoint/v3/contenttype/forms"/>
-  </ds:schemaRefs>
-</ds:datastoreItem>
-</file>
-
-<file path=customXml/itemProps3.xml><?xml version="1.0" encoding="utf-8"?>
-<ds:datastoreItem xmlns:ds="http://schemas.openxmlformats.org/officeDocument/2006/customXml" ds:itemID="{54DA07C5-A406-4A0D-B3E6-3856C94AC7F3}">
-  <ds:schemaRefs>
-    <ds:schemaRef ds:uri="http://purl.org/dc/terms/"/>
-    <ds:schemaRef ds:uri="http://schemas.openxmlformats.org/package/2006/metadata/core-properties"/>
-    <ds:schemaRef ds:uri="http://purl.org/dc/dcmitype/"/>
-    <ds:schemaRef ds:uri="http://schemas.microsoft.com/office/infopath/2007/PartnerControls"/>
-    <ds:schemaRef ds:uri="155be751-a274-42e8-93fb-f39d3b9bccc8"/>
-    <ds:schemaRef ds:uri="http://schemas.microsoft.com/office/2006/documentManagement/types"/>
-    <ds:schemaRef ds:uri="http://schemas.microsoft.com/office/2006/metadata/properties"/>
-    <ds:schemaRef ds:uri="f80a141d-92ca-4d3d-9308-f7e7b1d44ce8"/>
-    <ds:schemaRef ds:uri="http://www.w3.org/XML/1998/namespace"/>
-    <ds:schemaRef ds:uri="http://purl.org/dc/elements/1.1/"/>
-  </ds:schemaRefs>
-</ds:datastoreItem>
 </file>